--- a/ApresentacaoRibas/apresentaçãoRibas.pptx
+++ b/ApresentacaoRibas/apresentaçãoRibas.pptx
@@ -12,9 +12,13 @@
     <p:sldId id="289" r:id="rId6"/>
     <p:sldId id="295" r:id="rId7"/>
     <p:sldId id="296" r:id="rId8"/>
-    <p:sldId id="290" r:id="rId9"/>
-    <p:sldId id="291" r:id="rId10"/>
-    <p:sldId id="294" r:id="rId11"/>
+    <p:sldId id="299" r:id="rId9"/>
+    <p:sldId id="300" r:id="rId10"/>
+    <p:sldId id="301" r:id="rId11"/>
+    <p:sldId id="302" r:id="rId12"/>
+    <p:sldId id="290" r:id="rId13"/>
+    <p:sldId id="291" r:id="rId14"/>
+    <p:sldId id="294" r:id="rId15"/>
   </p:sldIdLst>
   <p:sldSz cx="12192000" cy="6858000"/>
   <p:notesSz cx="6858000" cy="9144000"/>
@@ -3644,86 +3648,6 @@
           <a:chExt cx="0" cy="0"/>
         </a:xfrm>
       </p:grpSpPr>
-      <p:sp>
-        <p:nvSpPr>
-          <p:cNvPr id="2" name="Title 1">
-            <a:extLst>
-              <a:ext uri="{FF2B5EF4-FFF2-40B4-BE49-F238E27FC236}">
-                <a16:creationId xmlns:a16="http://schemas.microsoft.com/office/drawing/2014/main" id="{9B148A66-7A3C-4F76-A5BA-9EC47E357300}"/>
-              </a:ext>
-            </a:extLst>
-          </p:cNvPr>
-          <p:cNvSpPr>
-            <a:spLocks noGrp="1"/>
-          </p:cNvSpPr>
-          <p:nvPr>
-            <p:ph type="title"/>
-          </p:nvPr>
-        </p:nvSpPr>
-        <p:spPr/>
-        <p:txBody>
-          <a:bodyPr/>
-          <a:lstStyle/>
-          <a:p>
-            <a:endParaRPr lang="en-US"/>
-          </a:p>
-        </p:txBody>
-      </p:sp>
-      <p:sp>
-        <p:nvSpPr>
-          <p:cNvPr id="3" name="Content Placeholder 2">
-            <a:extLst>
-              <a:ext uri="{FF2B5EF4-FFF2-40B4-BE49-F238E27FC236}">
-                <a16:creationId xmlns:a16="http://schemas.microsoft.com/office/drawing/2014/main" id="{D14AE3CB-5727-490C-B232-9E32B274ACF3}"/>
-              </a:ext>
-            </a:extLst>
-          </p:cNvPr>
-          <p:cNvSpPr>
-            <a:spLocks noGrp="1"/>
-          </p:cNvSpPr>
-          <p:nvPr>
-            <p:ph idx="1"/>
-          </p:nvPr>
-        </p:nvSpPr>
-        <p:spPr/>
-        <p:txBody>
-          <a:bodyPr/>
-          <a:lstStyle/>
-          <a:p>
-            <a:endParaRPr lang="en-US" dirty="0"/>
-          </a:p>
-        </p:txBody>
-      </p:sp>
-    </p:spTree>
-    <p:extLst>
-      <p:ext uri="{BB962C8B-B14F-4D97-AF65-F5344CB8AC3E}">
-        <p14:creationId xmlns:p14="http://schemas.microsoft.com/office/powerpoint/2010/main" val="3404955641"/>
-      </p:ext>
-    </p:extLst>
-  </p:cSld>
-  <p:clrMapOvr>
-    <a:masterClrMapping/>
-  </p:clrMapOvr>
-</p:sld>
-</file>
-
-<file path=ppt/slides/slide2.xml><?xml version="1.0" encoding="utf-8"?>
-<p:sld xmlns:a="http://schemas.openxmlformats.org/drawingml/2006/main" xmlns:r="http://schemas.openxmlformats.org/officeDocument/2006/relationships" xmlns:p="http://schemas.openxmlformats.org/presentationml/2006/main">
-  <p:cSld>
-    <p:spTree>
-      <p:nvGrpSpPr>
-        <p:cNvPr id="1" name=""/>
-        <p:cNvGrpSpPr/>
-        <p:nvPr/>
-      </p:nvGrpSpPr>
-      <p:grpSpPr>
-        <a:xfrm>
-          <a:off x="0" y="0"/>
-          <a:ext cx="0" cy="0"/>
-          <a:chOff x="0" y="0"/>
-          <a:chExt cx="0" cy="0"/>
-        </a:xfrm>
-      </p:grpSpPr>
       <p:grpSp>
         <p:nvGrpSpPr>
           <p:cNvPr id="15" name="Group 14">
@@ -3909,10 +3833,49 @@
       </p:grpSp>
       <p:sp>
         <p:nvSpPr>
-          <p:cNvPr id="2" name="Title 1">
-            <a:extLst>
-              <a:ext uri="{FF2B5EF4-FFF2-40B4-BE49-F238E27FC236}">
-                <a16:creationId xmlns:a16="http://schemas.microsoft.com/office/drawing/2014/main" id="{43D6345F-DDA8-41BD-9F51-4947FE7D4705}"/>
+          <p:cNvPr id="7" name="Content Placeholder 2">
+            <a:extLst>
+              <a:ext uri="{FF2B5EF4-FFF2-40B4-BE49-F238E27FC236}">
+                <a16:creationId xmlns:a16="http://schemas.microsoft.com/office/drawing/2014/main" id="{5A1070A9-0C16-43AA-8DE1-35D36228A733}"/>
+              </a:ext>
+            </a:extLst>
+          </p:cNvPr>
+          <p:cNvSpPr>
+            <a:spLocks noGrp="1"/>
+          </p:cNvSpPr>
+          <p:nvPr>
+            <p:ph idx="1"/>
+          </p:nvPr>
+        </p:nvSpPr>
+        <p:spPr>
+          <a:xfrm>
+            <a:off x="838200" y="1825624"/>
+            <a:ext cx="10756900" cy="4943475"/>
+          </a:xfrm>
+        </p:spPr>
+        <p:txBody>
+          <a:bodyPr/>
+          <a:lstStyle/>
+          <a:p>
+            <a:r>
+              <a:rPr lang="pt-BR" dirty="0"/>
+              <a:t>NEDA: Algoritmo de Descida Não Exaustivo</a:t>
+            </a:r>
+          </a:p>
+          <a:p>
+            <a:pPr marL="0" indent="0">
+              <a:buNone/>
+            </a:pPr>
+            <a:endParaRPr lang="pt-BR" sz="2400" dirty="0"/>
+          </a:p>
+        </p:txBody>
+      </p:sp>
+      <p:sp>
+        <p:nvSpPr>
+          <p:cNvPr id="11" name="Title 1">
+            <a:extLst>
+              <a:ext uri="{FF2B5EF4-FFF2-40B4-BE49-F238E27FC236}">
+                <a16:creationId xmlns:a16="http://schemas.microsoft.com/office/drawing/2014/main" id="{EC0D26A2-49C6-4DEB-8DC0-D259E0D6E1D1}"/>
               </a:ext>
             </a:extLst>
           </p:cNvPr>
@@ -3923,23 +3886,658 @@
             <p:ph type="title"/>
           </p:nvPr>
         </p:nvSpPr>
-        <p:spPr/>
+        <p:spPr>
+          <a:xfrm>
+            <a:off x="838200" y="365125"/>
+            <a:ext cx="10515600" cy="1325563"/>
+          </a:xfrm>
+        </p:spPr>
         <p:txBody>
           <a:bodyPr/>
           <a:lstStyle/>
           <a:p>
             <a:r>
               <a:rPr lang="pt-BR" dirty="0"/>
-              <a:t>Contextualização</a:t>
-            </a:r>
-            <a:endParaRPr lang="pt-BR" i="1" dirty="0"/>
-          </a:p>
-        </p:txBody>
-      </p:sp>
+              <a:t>Procedimento da Heurística – 3º Passo</a:t>
+            </a:r>
+          </a:p>
+        </p:txBody>
+      </p:sp>
+      <p:sp>
+        <p:nvSpPr>
+          <p:cNvPr id="25" name="TextBox 24">
+            <a:extLst>
+              <a:ext uri="{FF2B5EF4-FFF2-40B4-BE49-F238E27FC236}">
+                <a16:creationId xmlns:a16="http://schemas.microsoft.com/office/drawing/2014/main" id="{7DF9107B-207E-4D40-89ED-2A903FF985FD}"/>
+              </a:ext>
+            </a:extLst>
+          </p:cNvPr>
+          <p:cNvSpPr txBox="1"/>
+          <p:nvPr/>
+        </p:nvSpPr>
+        <p:spPr>
+          <a:xfrm>
+            <a:off x="902320" y="2370252"/>
+            <a:ext cx="5471976" cy="400110"/>
+          </a:xfrm>
+          <a:prstGeom prst="rect">
+            <a:avLst/>
+          </a:prstGeom>
+          <a:noFill/>
+        </p:spPr>
+        <p:txBody>
+          <a:bodyPr wrap="square" rtlCol="0">
+            <a:spAutoFit/>
+          </a:bodyPr>
+          <a:lstStyle/>
+          <a:p>
+            <a:r>
+              <a:rPr lang="pt-BR" sz="2000" b="1" dirty="0">
+                <a:solidFill>
+                  <a:srgbClr val="00B050"/>
+                </a:solidFill>
+              </a:rPr>
+              <a:t>15342</a:t>
+            </a:r>
+            <a:r>
+              <a:rPr lang="pt-BR" sz="2000" b="1" dirty="0"/>
+              <a:t>    -&gt; </a:t>
+            </a:r>
+            <a:r>
+              <a:rPr lang="pt-BR" sz="2000" dirty="0">
+                <a:solidFill>
+                  <a:schemeClr val="accent2"/>
+                </a:solidFill>
+              </a:rPr>
+              <a:t>5</a:t>
+            </a:r>
+            <a:r>
+              <a:rPr lang="pt-BR" sz="2000" b="1" dirty="0"/>
+              <a:t>1</a:t>
+            </a:r>
+            <a:r>
+              <a:rPr lang="pt-BR" sz="2000" dirty="0"/>
+              <a:t>342 | </a:t>
+            </a:r>
+            <a:r>
+              <a:rPr lang="pt-BR" sz="2000" dirty="0">
+                <a:solidFill>
+                  <a:schemeClr val="accent2"/>
+                </a:solidFill>
+              </a:rPr>
+              <a:t>3</a:t>
+            </a:r>
+            <a:r>
+              <a:rPr lang="pt-BR" sz="2000" dirty="0"/>
+              <a:t>5</a:t>
+            </a:r>
+            <a:r>
+              <a:rPr lang="pt-BR" sz="2000" b="1" dirty="0"/>
+              <a:t>1</a:t>
+            </a:r>
+            <a:r>
+              <a:rPr lang="pt-BR" sz="2000" dirty="0"/>
+              <a:t>42 | </a:t>
+            </a:r>
+            <a:r>
+              <a:rPr lang="pt-BR" sz="2000" dirty="0">
+                <a:solidFill>
+                  <a:schemeClr val="accent2"/>
+                </a:solidFill>
+              </a:rPr>
+              <a:t>4</a:t>
+            </a:r>
+            <a:r>
+              <a:rPr lang="pt-BR" sz="2000" dirty="0"/>
+              <a:t>53</a:t>
+            </a:r>
+            <a:r>
+              <a:rPr lang="pt-BR" sz="2000" b="1" dirty="0"/>
+              <a:t>1</a:t>
+            </a:r>
+            <a:r>
+              <a:rPr lang="pt-BR" sz="2000" dirty="0"/>
+              <a:t>2 | </a:t>
+            </a:r>
+            <a:r>
+              <a:rPr lang="pt-BR" sz="2000" dirty="0">
+                <a:solidFill>
+                  <a:srgbClr val="00B050"/>
+                </a:solidFill>
+              </a:rPr>
+              <a:t>2534</a:t>
+            </a:r>
+            <a:r>
+              <a:rPr lang="pt-BR" sz="2000" b="1" dirty="0">
+                <a:solidFill>
+                  <a:srgbClr val="00B050"/>
+                </a:solidFill>
+              </a:rPr>
+              <a:t>1</a:t>
+            </a:r>
+            <a:endParaRPr lang="pt-BR" sz="2000" b="1" dirty="0"/>
+          </a:p>
+        </p:txBody>
+      </p:sp>
+      <p:sp>
+        <p:nvSpPr>
+          <p:cNvPr id="26" name="Rectangle 25">
+            <a:extLst>
+              <a:ext uri="{FF2B5EF4-FFF2-40B4-BE49-F238E27FC236}">
+                <a16:creationId xmlns:a16="http://schemas.microsoft.com/office/drawing/2014/main" id="{0F20F0DD-2F74-4644-9864-76120BD384E6}"/>
+              </a:ext>
+            </a:extLst>
+          </p:cNvPr>
+          <p:cNvSpPr/>
+          <p:nvPr/>
+        </p:nvSpPr>
+        <p:spPr>
+          <a:xfrm>
+            <a:off x="902320" y="2383504"/>
+            <a:ext cx="833883" cy="346446"/>
+          </a:xfrm>
+          <a:prstGeom prst="rect">
+            <a:avLst/>
+          </a:prstGeom>
+          <a:noFill/>
+          <a:ln w="28575">
+            <a:solidFill>
+              <a:srgbClr val="00B050"/>
+            </a:solidFill>
+          </a:ln>
+        </p:spPr>
+        <p:style>
+          <a:lnRef idx="2">
+            <a:schemeClr val="accent1">
+              <a:shade val="50000"/>
+            </a:schemeClr>
+          </a:lnRef>
+          <a:fillRef idx="1">
+            <a:schemeClr val="accent1"/>
+          </a:fillRef>
+          <a:effectRef idx="0">
+            <a:schemeClr val="accent1"/>
+          </a:effectRef>
+          <a:fontRef idx="minor">
+            <a:schemeClr val="lt1"/>
+          </a:fontRef>
+        </p:style>
+        <p:txBody>
+          <a:bodyPr rtlCol="0" anchor="ctr"/>
+          <a:lstStyle/>
+          <a:p>
+            <a:pPr algn="ctr"/>
+            <a:endParaRPr lang="en-US"/>
+          </a:p>
+        </p:txBody>
+      </p:sp>
+      <p:sp>
+        <p:nvSpPr>
+          <p:cNvPr id="27" name="TextBox 26">
+            <a:extLst>
+              <a:ext uri="{FF2B5EF4-FFF2-40B4-BE49-F238E27FC236}">
+                <a16:creationId xmlns:a16="http://schemas.microsoft.com/office/drawing/2014/main" id="{DE6A5A91-E122-408D-9B2E-8E93666DBC4F}"/>
+              </a:ext>
+            </a:extLst>
+          </p:cNvPr>
+          <p:cNvSpPr txBox="1"/>
+          <p:nvPr/>
+        </p:nvSpPr>
+        <p:spPr>
+          <a:xfrm>
+            <a:off x="902320" y="3028890"/>
+            <a:ext cx="8732010" cy="400110"/>
+          </a:xfrm>
+          <a:prstGeom prst="rect">
+            <a:avLst/>
+          </a:prstGeom>
+          <a:noFill/>
+        </p:spPr>
+        <p:txBody>
+          <a:bodyPr wrap="square" rtlCol="0">
+            <a:spAutoFit/>
+          </a:bodyPr>
+          <a:lstStyle/>
+          <a:p>
+            <a:r>
+              <a:rPr lang="pt-BR" sz="2000" b="1" dirty="0">
+                <a:solidFill>
+                  <a:srgbClr val="00B050"/>
+                </a:solidFill>
+              </a:rPr>
+              <a:t>25341</a:t>
+            </a:r>
+            <a:r>
+              <a:rPr lang="pt-BR" sz="2000" b="1" dirty="0"/>
+              <a:t>    -&gt; </a:t>
+            </a:r>
+            <a:r>
+              <a:rPr lang="pt-BR" sz="2000" dirty="0">
+                <a:solidFill>
+                  <a:schemeClr val="accent2"/>
+                </a:solidFill>
+              </a:rPr>
+              <a:t>5</a:t>
+            </a:r>
+            <a:r>
+              <a:rPr lang="pt-BR" sz="2000" b="1" dirty="0"/>
+              <a:t>2</a:t>
+            </a:r>
+            <a:r>
+              <a:rPr lang="pt-BR" sz="2000" dirty="0"/>
+              <a:t>341 | </a:t>
+            </a:r>
+            <a:r>
+              <a:rPr lang="pt-BR" sz="2000" dirty="0">
+                <a:solidFill>
+                  <a:schemeClr val="accent2"/>
+                </a:solidFill>
+              </a:rPr>
+              <a:t>3</a:t>
+            </a:r>
+            <a:r>
+              <a:rPr lang="pt-BR" sz="2000" dirty="0"/>
+              <a:t>5</a:t>
+            </a:r>
+            <a:r>
+              <a:rPr lang="pt-BR" sz="2000" b="1" dirty="0"/>
+              <a:t>2</a:t>
+            </a:r>
+            <a:r>
+              <a:rPr lang="pt-BR" sz="2000" dirty="0"/>
+              <a:t>41 | </a:t>
+            </a:r>
+            <a:r>
+              <a:rPr lang="pt-BR" sz="2000" dirty="0">
+                <a:solidFill>
+                  <a:schemeClr val="accent2"/>
+                </a:solidFill>
+              </a:rPr>
+              <a:t>4</a:t>
+            </a:r>
+            <a:r>
+              <a:rPr lang="pt-BR" sz="2000" dirty="0"/>
+              <a:t>53</a:t>
+            </a:r>
+            <a:r>
+              <a:rPr lang="pt-BR" sz="2000" b="1" dirty="0"/>
+              <a:t>2</a:t>
+            </a:r>
+            <a:r>
+              <a:rPr lang="pt-BR" sz="2000" dirty="0"/>
+              <a:t>1 | </a:t>
+            </a:r>
+            <a:r>
+              <a:rPr lang="pt-BR" sz="2000" dirty="0">
+                <a:solidFill>
+                  <a:schemeClr val="accent2"/>
+                </a:solidFill>
+              </a:rPr>
+              <a:t>1</a:t>
+            </a:r>
+            <a:r>
+              <a:rPr lang="pt-BR" sz="2000" dirty="0"/>
+              <a:t>534</a:t>
+            </a:r>
+            <a:r>
+              <a:rPr lang="pt-BR" sz="2000" b="1" dirty="0"/>
+              <a:t>2</a:t>
+            </a:r>
+            <a:r>
+              <a:rPr lang="pt-BR" sz="2000" dirty="0"/>
+              <a:t> | 2</a:t>
+            </a:r>
+            <a:r>
+              <a:rPr lang="pt-BR" sz="2000" dirty="0">
+                <a:solidFill>
+                  <a:schemeClr val="accent2"/>
+                </a:solidFill>
+              </a:rPr>
+              <a:t>3</a:t>
+            </a:r>
+            <a:r>
+              <a:rPr lang="pt-BR" sz="2000" b="1" dirty="0"/>
+              <a:t>5</a:t>
+            </a:r>
+            <a:r>
+              <a:rPr lang="pt-BR" sz="2000" dirty="0"/>
+              <a:t>41 | </a:t>
+            </a:r>
+            <a:r>
+              <a:rPr lang="pt-BR" sz="2000" dirty="0">
+                <a:solidFill>
+                  <a:srgbClr val="00B050"/>
+                </a:solidFill>
+              </a:rPr>
+              <a:t>243</a:t>
+            </a:r>
+            <a:r>
+              <a:rPr lang="pt-BR" sz="2000" b="1" dirty="0">
+                <a:solidFill>
+                  <a:srgbClr val="00B050"/>
+                </a:solidFill>
+              </a:rPr>
+              <a:t>5</a:t>
+            </a:r>
+            <a:r>
+              <a:rPr lang="pt-BR" sz="2000" dirty="0">
+                <a:solidFill>
+                  <a:srgbClr val="00B050"/>
+                </a:solidFill>
+              </a:rPr>
+              <a:t>1</a:t>
+            </a:r>
+            <a:r>
+              <a:rPr lang="pt-BR" sz="2000" dirty="0"/>
+              <a:t> </a:t>
+            </a:r>
+            <a:endParaRPr lang="pt-BR" sz="2000" b="1" dirty="0"/>
+          </a:p>
+        </p:txBody>
+      </p:sp>
+      <p:sp>
+        <p:nvSpPr>
+          <p:cNvPr id="28" name="Rectangle 27">
+            <a:extLst>
+              <a:ext uri="{FF2B5EF4-FFF2-40B4-BE49-F238E27FC236}">
+                <a16:creationId xmlns:a16="http://schemas.microsoft.com/office/drawing/2014/main" id="{18289ACA-B5D7-4E9F-A243-A798E2099A9A}"/>
+              </a:ext>
+            </a:extLst>
+          </p:cNvPr>
+          <p:cNvSpPr/>
+          <p:nvPr/>
+        </p:nvSpPr>
+        <p:spPr>
+          <a:xfrm>
+            <a:off x="902320" y="3042142"/>
+            <a:ext cx="833883" cy="346446"/>
+          </a:xfrm>
+          <a:prstGeom prst="rect">
+            <a:avLst/>
+          </a:prstGeom>
+          <a:noFill/>
+          <a:ln w="28575">
+            <a:solidFill>
+              <a:srgbClr val="00B050"/>
+            </a:solidFill>
+          </a:ln>
+        </p:spPr>
+        <p:style>
+          <a:lnRef idx="2">
+            <a:schemeClr val="accent1">
+              <a:shade val="50000"/>
+            </a:schemeClr>
+          </a:lnRef>
+          <a:fillRef idx="1">
+            <a:schemeClr val="accent1"/>
+          </a:fillRef>
+          <a:effectRef idx="0">
+            <a:schemeClr val="accent1"/>
+          </a:effectRef>
+          <a:fontRef idx="minor">
+            <a:schemeClr val="lt1"/>
+          </a:fontRef>
+        </p:style>
+        <p:txBody>
+          <a:bodyPr rtlCol="0" anchor="ctr"/>
+          <a:lstStyle/>
+          <a:p>
+            <a:pPr algn="ctr"/>
+            <a:endParaRPr lang="en-US"/>
+          </a:p>
+        </p:txBody>
+      </p:sp>
+      <p:sp>
+        <p:nvSpPr>
+          <p:cNvPr id="29" name="TextBox 28">
+            <a:extLst>
+              <a:ext uri="{FF2B5EF4-FFF2-40B4-BE49-F238E27FC236}">
+                <a16:creationId xmlns:a16="http://schemas.microsoft.com/office/drawing/2014/main" id="{56BE7F0A-2DA5-4DD0-BD4C-21E32B9EEED8}"/>
+              </a:ext>
+            </a:extLst>
+          </p:cNvPr>
+          <p:cNvSpPr txBox="1"/>
+          <p:nvPr/>
+        </p:nvSpPr>
+        <p:spPr>
+          <a:xfrm>
+            <a:off x="902320" y="3687528"/>
+            <a:ext cx="8732010" cy="400110"/>
+          </a:xfrm>
+          <a:prstGeom prst="rect">
+            <a:avLst/>
+          </a:prstGeom>
+          <a:noFill/>
+        </p:spPr>
+        <p:txBody>
+          <a:bodyPr wrap="square" rtlCol="0">
+            <a:spAutoFit/>
+          </a:bodyPr>
+          <a:lstStyle/>
+          <a:p>
+            <a:r>
+              <a:rPr lang="pt-BR" sz="2000" b="1" dirty="0">
+                <a:solidFill>
+                  <a:srgbClr val="00B050"/>
+                </a:solidFill>
+              </a:rPr>
+              <a:t>24351</a:t>
+            </a:r>
+            <a:r>
+              <a:rPr lang="pt-BR" sz="2000" b="1" dirty="0"/>
+              <a:t>    -&gt;</a:t>
+            </a:r>
+            <a:r>
+              <a:rPr lang="pt-BR" sz="2000" dirty="0"/>
+              <a:t> </a:t>
+            </a:r>
+            <a:r>
+              <a:rPr lang="pt-BR" sz="2000" dirty="0">
+                <a:solidFill>
+                  <a:schemeClr val="accent2"/>
+                </a:solidFill>
+              </a:rPr>
+              <a:t>4</a:t>
+            </a:r>
+            <a:r>
+              <a:rPr lang="pt-BR" sz="2000" b="1" dirty="0"/>
+              <a:t>2</a:t>
+            </a:r>
+            <a:r>
+              <a:rPr lang="pt-BR" sz="2000" dirty="0"/>
+              <a:t>351 | </a:t>
+            </a:r>
+            <a:r>
+              <a:rPr lang="pt-BR" sz="2000" dirty="0">
+                <a:solidFill>
+                  <a:schemeClr val="accent2"/>
+                </a:solidFill>
+              </a:rPr>
+              <a:t>3</a:t>
+            </a:r>
+            <a:r>
+              <a:rPr lang="pt-BR" sz="2000" dirty="0"/>
+              <a:t>5</a:t>
+            </a:r>
+            <a:r>
+              <a:rPr lang="pt-BR" sz="2000" b="1" dirty="0"/>
+              <a:t>2</a:t>
+            </a:r>
+            <a:r>
+              <a:rPr lang="pt-BR" sz="2000" dirty="0"/>
+              <a:t>51 | </a:t>
+            </a:r>
+            <a:r>
+              <a:rPr lang="pt-BR" sz="2000" dirty="0">
+                <a:solidFill>
+                  <a:srgbClr val="00B050"/>
+                </a:solidFill>
+              </a:rPr>
+              <a:t>543</a:t>
+            </a:r>
+            <a:r>
+              <a:rPr lang="pt-BR" sz="2000" b="1" dirty="0">
+                <a:solidFill>
+                  <a:srgbClr val="00B050"/>
+                </a:solidFill>
+              </a:rPr>
+              <a:t>2</a:t>
+            </a:r>
+            <a:r>
+              <a:rPr lang="pt-BR" sz="2000" dirty="0">
+                <a:solidFill>
+                  <a:srgbClr val="00B050"/>
+                </a:solidFill>
+              </a:rPr>
+              <a:t>1</a:t>
+            </a:r>
+            <a:endParaRPr lang="pt-BR" sz="2000" b="1" dirty="0">
+              <a:solidFill>
+                <a:srgbClr val="00B050"/>
+              </a:solidFill>
+            </a:endParaRPr>
+          </a:p>
+        </p:txBody>
+      </p:sp>
+      <p:sp>
+        <p:nvSpPr>
+          <p:cNvPr id="30" name="Rectangle 29">
+            <a:extLst>
+              <a:ext uri="{FF2B5EF4-FFF2-40B4-BE49-F238E27FC236}">
+                <a16:creationId xmlns:a16="http://schemas.microsoft.com/office/drawing/2014/main" id="{C766A17D-7001-4A6D-B71E-03353BB31F9B}"/>
+              </a:ext>
+            </a:extLst>
+          </p:cNvPr>
+          <p:cNvSpPr/>
+          <p:nvPr/>
+        </p:nvSpPr>
+        <p:spPr>
+          <a:xfrm>
+            <a:off x="902320" y="3700780"/>
+            <a:ext cx="833883" cy="346446"/>
+          </a:xfrm>
+          <a:prstGeom prst="rect">
+            <a:avLst/>
+          </a:prstGeom>
+          <a:noFill/>
+          <a:ln w="28575">
+            <a:solidFill>
+              <a:srgbClr val="00B050"/>
+            </a:solidFill>
+          </a:ln>
+        </p:spPr>
+        <p:style>
+          <a:lnRef idx="2">
+            <a:schemeClr val="accent1">
+              <a:shade val="50000"/>
+            </a:schemeClr>
+          </a:lnRef>
+          <a:fillRef idx="1">
+            <a:schemeClr val="accent1"/>
+          </a:fillRef>
+          <a:effectRef idx="0">
+            <a:schemeClr val="accent1"/>
+          </a:effectRef>
+          <a:fontRef idx="minor">
+            <a:schemeClr val="lt1"/>
+          </a:fontRef>
+        </p:style>
+        <p:txBody>
+          <a:bodyPr rtlCol="0" anchor="ctr"/>
+          <a:lstStyle/>
+          <a:p>
+            <a:pPr algn="ctr"/>
+            <a:endParaRPr lang="en-US"/>
+          </a:p>
+        </p:txBody>
+      </p:sp>
+      <p:cxnSp>
+        <p:nvCxnSpPr>
+          <p:cNvPr id="31" name="Connector: Elbow 30">
+            <a:extLst>
+              <a:ext uri="{FF2B5EF4-FFF2-40B4-BE49-F238E27FC236}">
+                <a16:creationId xmlns:a16="http://schemas.microsoft.com/office/drawing/2014/main" id="{56ECEB62-B8B6-430D-9982-B30C6F0A555E}"/>
+              </a:ext>
+            </a:extLst>
+          </p:cNvPr>
+          <p:cNvCxnSpPr>
+            <a:cxnSpLocks/>
+          </p:cNvCxnSpPr>
+          <p:nvPr/>
+        </p:nvCxnSpPr>
+        <p:spPr>
+          <a:xfrm rot="10800000" flipV="1">
+            <a:off x="1319262" y="2864886"/>
+            <a:ext cx="3743068" cy="177256"/>
+          </a:xfrm>
+          <a:prstGeom prst="bentConnector2">
+            <a:avLst/>
+          </a:prstGeom>
+          <a:ln>
+            <a:tailEnd type="triangle"/>
+          </a:ln>
+        </p:spPr>
+        <p:style>
+          <a:lnRef idx="1">
+            <a:schemeClr val="dk1"/>
+          </a:lnRef>
+          <a:fillRef idx="0">
+            <a:schemeClr val="dk1"/>
+          </a:fillRef>
+          <a:effectRef idx="0">
+            <a:schemeClr val="dk1"/>
+          </a:effectRef>
+          <a:fontRef idx="minor">
+            <a:schemeClr val="tx1"/>
+          </a:fontRef>
+        </p:style>
+      </p:cxnSp>
+      <p:cxnSp>
+        <p:nvCxnSpPr>
+          <p:cNvPr id="32" name="Connector: Elbow 31">
+            <a:extLst>
+              <a:ext uri="{FF2B5EF4-FFF2-40B4-BE49-F238E27FC236}">
+                <a16:creationId xmlns:a16="http://schemas.microsoft.com/office/drawing/2014/main" id="{D58003CC-DA64-49CA-B390-FF3A35149351}"/>
+              </a:ext>
+            </a:extLst>
+          </p:cNvPr>
+          <p:cNvCxnSpPr>
+            <a:cxnSpLocks/>
+            <a:endCxn id="30" idx="0"/>
+          </p:cNvCxnSpPr>
+          <p:nvPr/>
+        </p:nvCxnSpPr>
+        <p:spPr>
+          <a:xfrm rot="10800000" flipV="1">
+            <a:off x="1319263" y="3544684"/>
+            <a:ext cx="5452601" cy="156096"/>
+          </a:xfrm>
+          <a:prstGeom prst="bentConnector2">
+            <a:avLst/>
+          </a:prstGeom>
+          <a:ln>
+            <a:tailEnd type="triangle"/>
+          </a:ln>
+        </p:spPr>
+        <p:style>
+          <a:lnRef idx="1">
+            <a:schemeClr val="dk1"/>
+          </a:lnRef>
+          <a:fillRef idx="0">
+            <a:schemeClr val="dk1"/>
+          </a:fillRef>
+          <a:effectRef idx="0">
+            <a:schemeClr val="dk1"/>
+          </a:effectRef>
+          <a:fontRef idx="minor">
+            <a:schemeClr val="tx1"/>
+          </a:fontRef>
+        </p:style>
+      </p:cxnSp>
     </p:spTree>
     <p:extLst>
       <p:ext uri="{BB962C8B-B14F-4D97-AF65-F5344CB8AC3E}">
-        <p14:creationId xmlns:p14="http://schemas.microsoft.com/office/powerpoint/2010/main" val="32668256"/>
+        <p14:creationId xmlns:p14="http://schemas.microsoft.com/office/powerpoint/2010/main" val="3676932231"/>
       </p:ext>
     </p:extLst>
   </p:cSld>
@@ -3949,7 +4547,7 @@
 </p:sld>
 </file>
 
-<file path=ppt/slides/slide3.xml><?xml version="1.0" encoding="utf-8"?>
+<file path=ppt/slides/slide11.xml><?xml version="1.0" encoding="utf-8"?>
 <p:sld xmlns:a="http://schemas.openxmlformats.org/drawingml/2006/main" xmlns:r="http://schemas.openxmlformats.org/officeDocument/2006/relationships" xmlns:p="http://schemas.openxmlformats.org/presentationml/2006/main">
   <p:cSld>
     <p:spTree>
@@ -4151,10 +4749,49 @@
       </p:grpSp>
       <p:sp>
         <p:nvSpPr>
-          <p:cNvPr id="2" name="Title 1">
-            <a:extLst>
-              <a:ext uri="{FF2B5EF4-FFF2-40B4-BE49-F238E27FC236}">
-                <a16:creationId xmlns:a16="http://schemas.microsoft.com/office/drawing/2014/main" id="{43D6345F-DDA8-41BD-9F51-4947FE7D4705}"/>
+          <p:cNvPr id="7" name="Content Placeholder 2">
+            <a:extLst>
+              <a:ext uri="{FF2B5EF4-FFF2-40B4-BE49-F238E27FC236}">
+                <a16:creationId xmlns:a16="http://schemas.microsoft.com/office/drawing/2014/main" id="{5A1070A9-0C16-43AA-8DE1-35D36228A733}"/>
+              </a:ext>
+            </a:extLst>
+          </p:cNvPr>
+          <p:cNvSpPr>
+            <a:spLocks noGrp="1"/>
+          </p:cNvSpPr>
+          <p:nvPr>
+            <p:ph idx="1"/>
+          </p:nvPr>
+        </p:nvSpPr>
+        <p:spPr>
+          <a:xfrm>
+            <a:off x="838200" y="1825624"/>
+            <a:ext cx="10756900" cy="4943475"/>
+          </a:xfrm>
+        </p:spPr>
+        <p:txBody>
+          <a:bodyPr/>
+          <a:lstStyle/>
+          <a:p>
+            <a:r>
+              <a:rPr lang="pt-BR" dirty="0"/>
+              <a:t>NEDA: Algoritmo de Descida Não Exaustivo</a:t>
+            </a:r>
+          </a:p>
+          <a:p>
+            <a:pPr marL="0" indent="0">
+              <a:buNone/>
+            </a:pPr>
+            <a:endParaRPr lang="pt-BR" sz="2400" dirty="0"/>
+          </a:p>
+        </p:txBody>
+      </p:sp>
+      <p:sp>
+        <p:nvSpPr>
+          <p:cNvPr id="11" name="Title 1">
+            <a:extLst>
+              <a:ext uri="{FF2B5EF4-FFF2-40B4-BE49-F238E27FC236}">
+                <a16:creationId xmlns:a16="http://schemas.microsoft.com/office/drawing/2014/main" id="{EC0D26A2-49C6-4DEB-8DC0-D259E0D6E1D1}"/>
               </a:ext>
             </a:extLst>
           </p:cNvPr>
@@ -4165,22 +4802,1109 @@
             <p:ph type="title"/>
           </p:nvPr>
         </p:nvSpPr>
-        <p:spPr/>
+        <p:spPr>
+          <a:xfrm>
+            <a:off x="838200" y="365125"/>
+            <a:ext cx="10515600" cy="1325563"/>
+          </a:xfrm>
+        </p:spPr>
         <p:txBody>
           <a:bodyPr/>
           <a:lstStyle/>
           <a:p>
             <a:r>
               <a:rPr lang="pt-BR" dirty="0"/>
-              <a:t>Reversibilidade</a:t>
-            </a:r>
+              <a:t>Procedimento da Heurística – 3º Passo</a:t>
+            </a:r>
+          </a:p>
+        </p:txBody>
+      </p:sp>
+      <p:sp>
+        <p:nvSpPr>
+          <p:cNvPr id="21" name="TextBox 20">
+            <a:extLst>
+              <a:ext uri="{FF2B5EF4-FFF2-40B4-BE49-F238E27FC236}">
+                <a16:creationId xmlns:a16="http://schemas.microsoft.com/office/drawing/2014/main" id="{D39011AA-FD91-4E18-8004-FCEBF303BB3B}"/>
+              </a:ext>
+            </a:extLst>
+          </p:cNvPr>
+          <p:cNvSpPr txBox="1"/>
+          <p:nvPr/>
+        </p:nvSpPr>
+        <p:spPr>
+          <a:xfrm>
+            <a:off x="902320" y="4346166"/>
+            <a:ext cx="9924706" cy="400110"/>
+          </a:xfrm>
+          <a:prstGeom prst="rect">
+            <a:avLst/>
+          </a:prstGeom>
+          <a:noFill/>
+        </p:spPr>
+        <p:txBody>
+          <a:bodyPr wrap="square" rtlCol="0">
+            <a:spAutoFit/>
+          </a:bodyPr>
+          <a:lstStyle/>
+          <a:p>
+            <a:r>
+              <a:rPr lang="pt-BR" sz="2000" b="1" dirty="0">
+                <a:solidFill>
+                  <a:srgbClr val="00B050"/>
+                </a:solidFill>
+              </a:rPr>
+              <a:t>54321</a:t>
+            </a:r>
+            <a:r>
+              <a:rPr lang="pt-BR" sz="2000" b="1" dirty="0"/>
+              <a:t>    -&gt; </a:t>
+            </a:r>
+            <a:r>
+              <a:rPr lang="pt-BR" sz="2000" dirty="0">
+                <a:solidFill>
+                  <a:schemeClr val="accent2"/>
+                </a:solidFill>
+              </a:rPr>
+              <a:t>4</a:t>
+            </a:r>
+            <a:r>
+              <a:rPr lang="pt-BR" sz="2000" b="1" dirty="0"/>
+              <a:t>5</a:t>
+            </a:r>
+            <a:r>
+              <a:rPr lang="pt-BR" sz="2000" dirty="0"/>
+              <a:t>321 | </a:t>
+            </a:r>
+            <a:r>
+              <a:rPr lang="pt-BR" sz="2000" dirty="0">
+                <a:solidFill>
+                  <a:schemeClr val="accent2"/>
+                </a:solidFill>
+              </a:rPr>
+              <a:t>3</a:t>
+            </a:r>
+            <a:r>
+              <a:rPr lang="pt-BR" sz="2000" dirty="0"/>
+              <a:t>4</a:t>
+            </a:r>
+            <a:r>
+              <a:rPr lang="pt-BR" sz="2000" b="1" dirty="0"/>
+              <a:t>5</a:t>
+            </a:r>
+            <a:r>
+              <a:rPr lang="pt-BR" sz="2000" dirty="0"/>
+              <a:t>21 | </a:t>
+            </a:r>
+            <a:r>
+              <a:rPr lang="pt-BR" sz="2000" dirty="0">
+                <a:solidFill>
+                  <a:schemeClr val="accent2"/>
+                </a:solidFill>
+              </a:rPr>
+              <a:t>2</a:t>
+            </a:r>
+            <a:r>
+              <a:rPr lang="pt-BR" sz="2000" dirty="0"/>
+              <a:t>43</a:t>
+            </a:r>
+            <a:r>
+              <a:rPr lang="pt-BR" sz="2000" b="1" dirty="0"/>
+              <a:t>5</a:t>
+            </a:r>
+            <a:r>
+              <a:rPr lang="pt-BR" sz="2000" dirty="0"/>
+              <a:t>1 | </a:t>
+            </a:r>
+            <a:r>
+              <a:rPr lang="pt-BR" sz="2000" dirty="0">
+                <a:solidFill>
+                  <a:schemeClr val="accent2"/>
+                </a:solidFill>
+              </a:rPr>
+              <a:t>1</a:t>
+            </a:r>
+            <a:r>
+              <a:rPr lang="pt-BR" sz="2000" dirty="0"/>
+              <a:t>432</a:t>
+            </a:r>
+            <a:r>
+              <a:rPr lang="pt-BR" sz="2000" b="1" dirty="0"/>
+              <a:t>5</a:t>
+            </a:r>
+            <a:r>
+              <a:rPr lang="pt-BR" sz="2000" dirty="0"/>
+              <a:t> | 5</a:t>
+            </a:r>
+            <a:r>
+              <a:rPr lang="pt-BR" sz="2000" dirty="0">
+                <a:solidFill>
+                  <a:schemeClr val="accent2"/>
+                </a:solidFill>
+              </a:rPr>
+              <a:t>3</a:t>
+            </a:r>
+            <a:r>
+              <a:rPr lang="pt-BR" sz="2000" b="1" dirty="0"/>
+              <a:t>4</a:t>
+            </a:r>
+            <a:r>
+              <a:rPr lang="pt-BR" sz="2000" dirty="0"/>
+              <a:t>21 | 5</a:t>
+            </a:r>
+            <a:r>
+              <a:rPr lang="pt-BR" sz="2000" dirty="0">
+                <a:solidFill>
+                  <a:schemeClr val="accent2"/>
+                </a:solidFill>
+              </a:rPr>
+              <a:t>2</a:t>
+            </a:r>
+            <a:r>
+              <a:rPr lang="pt-BR" sz="2000" dirty="0"/>
+              <a:t>3</a:t>
+            </a:r>
+            <a:r>
+              <a:rPr lang="pt-BR" sz="2000" b="1" dirty="0"/>
+              <a:t>4</a:t>
+            </a:r>
+            <a:r>
+              <a:rPr lang="pt-BR" sz="2000" dirty="0"/>
+              <a:t>1 | 5</a:t>
+            </a:r>
+            <a:r>
+              <a:rPr lang="pt-BR" sz="2000" dirty="0">
+                <a:solidFill>
+                  <a:schemeClr val="accent2"/>
+                </a:solidFill>
+              </a:rPr>
+              <a:t>1</a:t>
+            </a:r>
+            <a:r>
+              <a:rPr lang="pt-BR" sz="2000" dirty="0"/>
+              <a:t>32</a:t>
+            </a:r>
+            <a:r>
+              <a:rPr lang="pt-BR" sz="2000" b="1" dirty="0"/>
+              <a:t>4</a:t>
+            </a:r>
+            <a:r>
+              <a:rPr lang="pt-BR" sz="2000" dirty="0"/>
+              <a:t> | 54</a:t>
+            </a:r>
+            <a:r>
+              <a:rPr lang="pt-BR" sz="2000" dirty="0">
+                <a:solidFill>
+                  <a:schemeClr val="accent2"/>
+                </a:solidFill>
+              </a:rPr>
+              <a:t>2</a:t>
+            </a:r>
+            <a:r>
+              <a:rPr lang="pt-BR" sz="2000" b="1" dirty="0"/>
+              <a:t>3</a:t>
+            </a:r>
+            <a:r>
+              <a:rPr lang="pt-BR" sz="2000" dirty="0"/>
+              <a:t>1 | 54</a:t>
+            </a:r>
+            <a:r>
+              <a:rPr lang="pt-BR" sz="2000" dirty="0">
+                <a:solidFill>
+                  <a:schemeClr val="accent2"/>
+                </a:solidFill>
+              </a:rPr>
+              <a:t>1</a:t>
+            </a:r>
+            <a:r>
+              <a:rPr lang="pt-BR" sz="2000" dirty="0"/>
+              <a:t>2</a:t>
+            </a:r>
+            <a:r>
+              <a:rPr lang="pt-BR" sz="2000" b="1" dirty="0"/>
+              <a:t>3</a:t>
+            </a:r>
+            <a:r>
+              <a:rPr lang="pt-BR" sz="2000" dirty="0"/>
+              <a:t> | 543</a:t>
+            </a:r>
+            <a:r>
+              <a:rPr lang="pt-BR" sz="2000" dirty="0">
+                <a:solidFill>
+                  <a:schemeClr val="accent2"/>
+                </a:solidFill>
+              </a:rPr>
+              <a:t>1</a:t>
+            </a:r>
+            <a:r>
+              <a:rPr lang="pt-BR" sz="2000" b="1" dirty="0"/>
+              <a:t>2</a:t>
+            </a:r>
+            <a:endParaRPr lang="pt-BR" sz="2000" b="1" dirty="0">
+              <a:solidFill>
+                <a:srgbClr val="00B050"/>
+              </a:solidFill>
+            </a:endParaRPr>
+          </a:p>
+        </p:txBody>
+      </p:sp>
+      <p:sp>
+        <p:nvSpPr>
+          <p:cNvPr id="22" name="Rectangle 21">
+            <a:extLst>
+              <a:ext uri="{FF2B5EF4-FFF2-40B4-BE49-F238E27FC236}">
+                <a16:creationId xmlns:a16="http://schemas.microsoft.com/office/drawing/2014/main" id="{8DF058F7-6CA9-40CF-A222-6181B4993807}"/>
+              </a:ext>
+            </a:extLst>
+          </p:cNvPr>
+          <p:cNvSpPr/>
+          <p:nvPr/>
+        </p:nvSpPr>
+        <p:spPr>
+          <a:xfrm>
+            <a:off x="902320" y="4359418"/>
+            <a:ext cx="833883" cy="346446"/>
+          </a:xfrm>
+          <a:prstGeom prst="rect">
+            <a:avLst/>
+          </a:prstGeom>
+          <a:noFill/>
+          <a:ln w="28575">
+            <a:solidFill>
+              <a:srgbClr val="00B050"/>
+            </a:solidFill>
+          </a:ln>
+        </p:spPr>
+        <p:style>
+          <a:lnRef idx="2">
+            <a:schemeClr val="accent1">
+              <a:shade val="50000"/>
+            </a:schemeClr>
+          </a:lnRef>
+          <a:fillRef idx="1">
+            <a:schemeClr val="accent1"/>
+          </a:fillRef>
+          <a:effectRef idx="0">
+            <a:schemeClr val="accent1"/>
+          </a:effectRef>
+          <a:fontRef idx="minor">
+            <a:schemeClr val="lt1"/>
+          </a:fontRef>
+        </p:style>
+        <p:txBody>
+          <a:bodyPr rtlCol="0" anchor="ctr"/>
+          <a:lstStyle/>
+          <a:p>
+            <a:pPr algn="ctr"/>
+            <a:endParaRPr lang="en-US"/>
+          </a:p>
+        </p:txBody>
+      </p:sp>
+      <p:sp>
+        <p:nvSpPr>
+          <p:cNvPr id="2" name="TextBox 1">
+            <a:extLst>
+              <a:ext uri="{FF2B5EF4-FFF2-40B4-BE49-F238E27FC236}">
+                <a16:creationId xmlns:a16="http://schemas.microsoft.com/office/drawing/2014/main" id="{8C445499-F752-4731-BF14-8ABAD330BC5C}"/>
+              </a:ext>
+            </a:extLst>
+          </p:cNvPr>
+          <p:cNvSpPr txBox="1"/>
+          <p:nvPr/>
+        </p:nvSpPr>
+        <p:spPr>
+          <a:xfrm>
+            <a:off x="838200" y="5591317"/>
+            <a:ext cx="8610600" cy="646331"/>
+          </a:xfrm>
+          <a:prstGeom prst="rect">
+            <a:avLst/>
+          </a:prstGeom>
+          <a:noFill/>
+        </p:spPr>
+        <p:txBody>
+          <a:bodyPr wrap="square" rtlCol="0">
+            <a:spAutoFit/>
+          </a:bodyPr>
+          <a:lstStyle/>
+          <a:p>
+            <a:r>
+              <a:rPr lang="pt-BR" dirty="0"/>
+              <a:t>Passando por todas as permutações e não encontrando nenhuma que melhore o objetivo, o algoritmo finaliza e a solução final é a última obtida (no exemplo, a </a:t>
+            </a:r>
+            <a:r>
+              <a:rPr lang="pt-BR" b="1" dirty="0">
+                <a:solidFill>
+                  <a:srgbClr val="00B050"/>
+                </a:solidFill>
+              </a:rPr>
+              <a:t>54321</a:t>
+            </a:r>
+            <a:r>
+              <a:rPr lang="pt-BR" dirty="0"/>
+              <a:t>)</a:t>
+            </a:r>
+            <a:endParaRPr lang="en-US" b="1" dirty="0"/>
+          </a:p>
+        </p:txBody>
+      </p:sp>
+      <p:sp>
+        <p:nvSpPr>
+          <p:cNvPr id="23" name="TextBox 22">
+            <a:extLst>
+              <a:ext uri="{FF2B5EF4-FFF2-40B4-BE49-F238E27FC236}">
+                <a16:creationId xmlns:a16="http://schemas.microsoft.com/office/drawing/2014/main" id="{E881AB15-65AF-4423-A64D-BE9D2F841509}"/>
+              </a:ext>
+            </a:extLst>
+          </p:cNvPr>
+          <p:cNvSpPr txBox="1"/>
+          <p:nvPr/>
+        </p:nvSpPr>
+        <p:spPr>
+          <a:xfrm>
+            <a:off x="902320" y="2370252"/>
+            <a:ext cx="5471976" cy="400110"/>
+          </a:xfrm>
+          <a:prstGeom prst="rect">
+            <a:avLst/>
+          </a:prstGeom>
+          <a:noFill/>
+        </p:spPr>
+        <p:txBody>
+          <a:bodyPr wrap="square" rtlCol="0">
+            <a:spAutoFit/>
+          </a:bodyPr>
+          <a:lstStyle/>
+          <a:p>
+            <a:r>
+              <a:rPr lang="pt-BR" sz="2000" b="1" dirty="0">
+                <a:solidFill>
+                  <a:srgbClr val="00B050"/>
+                </a:solidFill>
+              </a:rPr>
+              <a:t>15342</a:t>
+            </a:r>
+            <a:r>
+              <a:rPr lang="pt-BR" sz="2000" b="1" dirty="0"/>
+              <a:t>    -&gt; </a:t>
+            </a:r>
+            <a:r>
+              <a:rPr lang="pt-BR" sz="2000" dirty="0">
+                <a:solidFill>
+                  <a:schemeClr val="accent2"/>
+                </a:solidFill>
+              </a:rPr>
+              <a:t>5</a:t>
+            </a:r>
+            <a:r>
+              <a:rPr lang="pt-BR" sz="2000" b="1" dirty="0"/>
+              <a:t>1</a:t>
+            </a:r>
+            <a:r>
+              <a:rPr lang="pt-BR" sz="2000" dirty="0"/>
+              <a:t>342 | </a:t>
+            </a:r>
+            <a:r>
+              <a:rPr lang="pt-BR" sz="2000" dirty="0">
+                <a:solidFill>
+                  <a:schemeClr val="accent2"/>
+                </a:solidFill>
+              </a:rPr>
+              <a:t>3</a:t>
+            </a:r>
+            <a:r>
+              <a:rPr lang="pt-BR" sz="2000" dirty="0"/>
+              <a:t>5</a:t>
+            </a:r>
+            <a:r>
+              <a:rPr lang="pt-BR" sz="2000" b="1" dirty="0"/>
+              <a:t>1</a:t>
+            </a:r>
+            <a:r>
+              <a:rPr lang="pt-BR" sz="2000" dirty="0"/>
+              <a:t>42 | </a:t>
+            </a:r>
+            <a:r>
+              <a:rPr lang="pt-BR" sz="2000" dirty="0">
+                <a:solidFill>
+                  <a:schemeClr val="accent2"/>
+                </a:solidFill>
+              </a:rPr>
+              <a:t>4</a:t>
+            </a:r>
+            <a:r>
+              <a:rPr lang="pt-BR" sz="2000" dirty="0"/>
+              <a:t>53</a:t>
+            </a:r>
+            <a:r>
+              <a:rPr lang="pt-BR" sz="2000" b="1" dirty="0"/>
+              <a:t>1</a:t>
+            </a:r>
+            <a:r>
+              <a:rPr lang="pt-BR" sz="2000" dirty="0"/>
+              <a:t>2 | </a:t>
+            </a:r>
+            <a:r>
+              <a:rPr lang="pt-BR" sz="2000" dirty="0">
+                <a:solidFill>
+                  <a:srgbClr val="00B050"/>
+                </a:solidFill>
+              </a:rPr>
+              <a:t>2534</a:t>
+            </a:r>
+            <a:r>
+              <a:rPr lang="pt-BR" sz="2000" b="1" dirty="0">
+                <a:solidFill>
+                  <a:srgbClr val="00B050"/>
+                </a:solidFill>
+              </a:rPr>
+              <a:t>1</a:t>
+            </a:r>
+            <a:endParaRPr lang="pt-BR" sz="2000" b="1" dirty="0"/>
+          </a:p>
+        </p:txBody>
+      </p:sp>
+      <p:sp>
+        <p:nvSpPr>
+          <p:cNvPr id="24" name="Rectangle 23">
+            <a:extLst>
+              <a:ext uri="{FF2B5EF4-FFF2-40B4-BE49-F238E27FC236}">
+                <a16:creationId xmlns:a16="http://schemas.microsoft.com/office/drawing/2014/main" id="{FA1AB6F4-A891-48E6-9176-6E1A18BC0E3C}"/>
+              </a:ext>
+            </a:extLst>
+          </p:cNvPr>
+          <p:cNvSpPr/>
+          <p:nvPr/>
+        </p:nvSpPr>
+        <p:spPr>
+          <a:xfrm>
+            <a:off x="902320" y="2383504"/>
+            <a:ext cx="833883" cy="346446"/>
+          </a:xfrm>
+          <a:prstGeom prst="rect">
+            <a:avLst/>
+          </a:prstGeom>
+          <a:noFill/>
+          <a:ln w="28575">
+            <a:solidFill>
+              <a:srgbClr val="00B050"/>
+            </a:solidFill>
+          </a:ln>
+        </p:spPr>
+        <p:style>
+          <a:lnRef idx="2">
+            <a:schemeClr val="accent1">
+              <a:shade val="50000"/>
+            </a:schemeClr>
+          </a:lnRef>
+          <a:fillRef idx="1">
+            <a:schemeClr val="accent1"/>
+          </a:fillRef>
+          <a:effectRef idx="0">
+            <a:schemeClr val="accent1"/>
+          </a:effectRef>
+          <a:fontRef idx="minor">
+            <a:schemeClr val="lt1"/>
+          </a:fontRef>
+        </p:style>
+        <p:txBody>
+          <a:bodyPr rtlCol="0" anchor="ctr"/>
+          <a:lstStyle/>
+          <a:p>
+            <a:pPr algn="ctr"/>
+            <a:endParaRPr lang="en-US"/>
+          </a:p>
+        </p:txBody>
+      </p:sp>
+      <p:sp>
+        <p:nvSpPr>
+          <p:cNvPr id="25" name="TextBox 24">
+            <a:extLst>
+              <a:ext uri="{FF2B5EF4-FFF2-40B4-BE49-F238E27FC236}">
+                <a16:creationId xmlns:a16="http://schemas.microsoft.com/office/drawing/2014/main" id="{4888EAD6-9B22-42B9-9369-7237FE64B2BC}"/>
+              </a:ext>
+            </a:extLst>
+          </p:cNvPr>
+          <p:cNvSpPr txBox="1"/>
+          <p:nvPr/>
+        </p:nvSpPr>
+        <p:spPr>
+          <a:xfrm>
+            <a:off x="902320" y="3028890"/>
+            <a:ext cx="8732010" cy="400110"/>
+          </a:xfrm>
+          <a:prstGeom prst="rect">
+            <a:avLst/>
+          </a:prstGeom>
+          <a:noFill/>
+        </p:spPr>
+        <p:txBody>
+          <a:bodyPr wrap="square" rtlCol="0">
+            <a:spAutoFit/>
+          </a:bodyPr>
+          <a:lstStyle/>
+          <a:p>
+            <a:r>
+              <a:rPr lang="pt-BR" sz="2000" b="1" dirty="0">
+                <a:solidFill>
+                  <a:srgbClr val="00B050"/>
+                </a:solidFill>
+              </a:rPr>
+              <a:t>25341</a:t>
+            </a:r>
+            <a:r>
+              <a:rPr lang="pt-BR" sz="2000" b="1" dirty="0"/>
+              <a:t>    -&gt; </a:t>
+            </a:r>
+            <a:r>
+              <a:rPr lang="pt-BR" sz="2000" dirty="0">
+                <a:solidFill>
+                  <a:schemeClr val="accent2"/>
+                </a:solidFill>
+              </a:rPr>
+              <a:t>5</a:t>
+            </a:r>
+            <a:r>
+              <a:rPr lang="pt-BR" sz="2000" b="1" dirty="0"/>
+              <a:t>2</a:t>
+            </a:r>
+            <a:r>
+              <a:rPr lang="pt-BR" sz="2000" dirty="0"/>
+              <a:t>341 | </a:t>
+            </a:r>
+            <a:r>
+              <a:rPr lang="pt-BR" sz="2000" dirty="0">
+                <a:solidFill>
+                  <a:schemeClr val="accent2"/>
+                </a:solidFill>
+              </a:rPr>
+              <a:t>3</a:t>
+            </a:r>
+            <a:r>
+              <a:rPr lang="pt-BR" sz="2000" dirty="0"/>
+              <a:t>5</a:t>
+            </a:r>
+            <a:r>
+              <a:rPr lang="pt-BR" sz="2000" b="1" dirty="0"/>
+              <a:t>2</a:t>
+            </a:r>
+            <a:r>
+              <a:rPr lang="pt-BR" sz="2000" dirty="0"/>
+              <a:t>41 | </a:t>
+            </a:r>
+            <a:r>
+              <a:rPr lang="pt-BR" sz="2000" dirty="0">
+                <a:solidFill>
+                  <a:schemeClr val="accent2"/>
+                </a:solidFill>
+              </a:rPr>
+              <a:t>4</a:t>
+            </a:r>
+            <a:r>
+              <a:rPr lang="pt-BR" sz="2000" dirty="0"/>
+              <a:t>53</a:t>
+            </a:r>
+            <a:r>
+              <a:rPr lang="pt-BR" sz="2000" b="1" dirty="0"/>
+              <a:t>2</a:t>
+            </a:r>
+            <a:r>
+              <a:rPr lang="pt-BR" sz="2000" dirty="0"/>
+              <a:t>1 | </a:t>
+            </a:r>
+            <a:r>
+              <a:rPr lang="pt-BR" sz="2000" dirty="0">
+                <a:solidFill>
+                  <a:schemeClr val="accent2"/>
+                </a:solidFill>
+              </a:rPr>
+              <a:t>1</a:t>
+            </a:r>
+            <a:r>
+              <a:rPr lang="pt-BR" sz="2000" dirty="0"/>
+              <a:t>534</a:t>
+            </a:r>
+            <a:r>
+              <a:rPr lang="pt-BR" sz="2000" b="1" dirty="0"/>
+              <a:t>2</a:t>
+            </a:r>
+            <a:r>
+              <a:rPr lang="pt-BR" sz="2000" dirty="0"/>
+              <a:t> | 2</a:t>
+            </a:r>
+            <a:r>
+              <a:rPr lang="pt-BR" sz="2000" dirty="0">
+                <a:solidFill>
+                  <a:schemeClr val="accent2"/>
+                </a:solidFill>
+              </a:rPr>
+              <a:t>3</a:t>
+            </a:r>
+            <a:r>
+              <a:rPr lang="pt-BR" sz="2000" b="1" dirty="0"/>
+              <a:t>5</a:t>
+            </a:r>
+            <a:r>
+              <a:rPr lang="pt-BR" sz="2000" dirty="0"/>
+              <a:t>41 | </a:t>
+            </a:r>
+            <a:r>
+              <a:rPr lang="pt-BR" sz="2000" dirty="0">
+                <a:solidFill>
+                  <a:srgbClr val="00B050"/>
+                </a:solidFill>
+              </a:rPr>
+              <a:t>243</a:t>
+            </a:r>
+            <a:r>
+              <a:rPr lang="pt-BR" sz="2000" b="1" dirty="0">
+                <a:solidFill>
+                  <a:srgbClr val="00B050"/>
+                </a:solidFill>
+              </a:rPr>
+              <a:t>5</a:t>
+            </a:r>
+            <a:r>
+              <a:rPr lang="pt-BR" sz="2000" dirty="0">
+                <a:solidFill>
+                  <a:srgbClr val="00B050"/>
+                </a:solidFill>
+              </a:rPr>
+              <a:t>1</a:t>
+            </a:r>
+            <a:r>
+              <a:rPr lang="pt-BR" sz="2000" dirty="0"/>
+              <a:t> </a:t>
+            </a:r>
+            <a:endParaRPr lang="pt-BR" sz="2000" b="1" dirty="0"/>
+          </a:p>
+        </p:txBody>
+      </p:sp>
+      <p:sp>
+        <p:nvSpPr>
+          <p:cNvPr id="26" name="Rectangle 25">
+            <a:extLst>
+              <a:ext uri="{FF2B5EF4-FFF2-40B4-BE49-F238E27FC236}">
+                <a16:creationId xmlns:a16="http://schemas.microsoft.com/office/drawing/2014/main" id="{D203B189-B7C0-4CBF-AA4D-E641A809E01D}"/>
+              </a:ext>
+            </a:extLst>
+          </p:cNvPr>
+          <p:cNvSpPr/>
+          <p:nvPr/>
+        </p:nvSpPr>
+        <p:spPr>
+          <a:xfrm>
+            <a:off x="902320" y="3042142"/>
+            <a:ext cx="833883" cy="346446"/>
+          </a:xfrm>
+          <a:prstGeom prst="rect">
+            <a:avLst/>
+          </a:prstGeom>
+          <a:noFill/>
+          <a:ln w="28575">
+            <a:solidFill>
+              <a:srgbClr val="00B050"/>
+            </a:solidFill>
+          </a:ln>
+        </p:spPr>
+        <p:style>
+          <a:lnRef idx="2">
+            <a:schemeClr val="accent1">
+              <a:shade val="50000"/>
+            </a:schemeClr>
+          </a:lnRef>
+          <a:fillRef idx="1">
+            <a:schemeClr val="accent1"/>
+          </a:fillRef>
+          <a:effectRef idx="0">
+            <a:schemeClr val="accent1"/>
+          </a:effectRef>
+          <a:fontRef idx="minor">
+            <a:schemeClr val="lt1"/>
+          </a:fontRef>
+        </p:style>
+        <p:txBody>
+          <a:bodyPr rtlCol="0" anchor="ctr"/>
+          <a:lstStyle/>
+          <a:p>
+            <a:pPr algn="ctr"/>
+            <a:endParaRPr lang="en-US"/>
+          </a:p>
+        </p:txBody>
+      </p:sp>
+      <p:sp>
+        <p:nvSpPr>
+          <p:cNvPr id="27" name="TextBox 26">
+            <a:extLst>
+              <a:ext uri="{FF2B5EF4-FFF2-40B4-BE49-F238E27FC236}">
+                <a16:creationId xmlns:a16="http://schemas.microsoft.com/office/drawing/2014/main" id="{9F8F3B4B-B250-4E46-B8A1-83C719039D3D}"/>
+              </a:ext>
+            </a:extLst>
+          </p:cNvPr>
+          <p:cNvSpPr txBox="1"/>
+          <p:nvPr/>
+        </p:nvSpPr>
+        <p:spPr>
+          <a:xfrm>
+            <a:off x="902320" y="3687528"/>
+            <a:ext cx="8732010" cy="400110"/>
+          </a:xfrm>
+          <a:prstGeom prst="rect">
+            <a:avLst/>
+          </a:prstGeom>
+          <a:noFill/>
+        </p:spPr>
+        <p:txBody>
+          <a:bodyPr wrap="square" rtlCol="0">
+            <a:spAutoFit/>
+          </a:bodyPr>
+          <a:lstStyle/>
+          <a:p>
+            <a:r>
+              <a:rPr lang="pt-BR" sz="2000" b="1" dirty="0">
+                <a:solidFill>
+                  <a:srgbClr val="00B050"/>
+                </a:solidFill>
+              </a:rPr>
+              <a:t>24351</a:t>
+            </a:r>
+            <a:r>
+              <a:rPr lang="pt-BR" sz="2000" b="1" dirty="0"/>
+              <a:t>    -&gt;</a:t>
+            </a:r>
+            <a:r>
+              <a:rPr lang="pt-BR" sz="2000" dirty="0"/>
+              <a:t> </a:t>
+            </a:r>
+            <a:r>
+              <a:rPr lang="pt-BR" sz="2000" dirty="0">
+                <a:solidFill>
+                  <a:schemeClr val="accent2"/>
+                </a:solidFill>
+              </a:rPr>
+              <a:t>4</a:t>
+            </a:r>
+            <a:r>
+              <a:rPr lang="pt-BR" sz="2000" b="1" dirty="0"/>
+              <a:t>2</a:t>
+            </a:r>
+            <a:r>
+              <a:rPr lang="pt-BR" sz="2000" dirty="0"/>
+              <a:t>351 | </a:t>
+            </a:r>
+            <a:r>
+              <a:rPr lang="pt-BR" sz="2000" dirty="0">
+                <a:solidFill>
+                  <a:schemeClr val="accent2"/>
+                </a:solidFill>
+              </a:rPr>
+              <a:t>3</a:t>
+            </a:r>
+            <a:r>
+              <a:rPr lang="pt-BR" sz="2000" dirty="0"/>
+              <a:t>5</a:t>
+            </a:r>
+            <a:r>
+              <a:rPr lang="pt-BR" sz="2000" b="1" dirty="0"/>
+              <a:t>2</a:t>
+            </a:r>
+            <a:r>
+              <a:rPr lang="pt-BR" sz="2000" dirty="0"/>
+              <a:t>51 | </a:t>
+            </a:r>
+            <a:r>
+              <a:rPr lang="pt-BR" sz="2000" dirty="0">
+                <a:solidFill>
+                  <a:srgbClr val="00B050"/>
+                </a:solidFill>
+              </a:rPr>
+              <a:t>543</a:t>
+            </a:r>
+            <a:r>
+              <a:rPr lang="pt-BR" sz="2000" b="1" dirty="0">
+                <a:solidFill>
+                  <a:srgbClr val="00B050"/>
+                </a:solidFill>
+              </a:rPr>
+              <a:t>2</a:t>
+            </a:r>
+            <a:r>
+              <a:rPr lang="pt-BR" sz="2000" dirty="0">
+                <a:solidFill>
+                  <a:srgbClr val="00B050"/>
+                </a:solidFill>
+              </a:rPr>
+              <a:t>1</a:t>
+            </a:r>
+            <a:endParaRPr lang="pt-BR" sz="2000" b="1" dirty="0">
+              <a:solidFill>
+                <a:srgbClr val="00B050"/>
+              </a:solidFill>
+            </a:endParaRPr>
+          </a:p>
+        </p:txBody>
+      </p:sp>
+      <p:sp>
+        <p:nvSpPr>
+          <p:cNvPr id="28" name="Rectangle 27">
+            <a:extLst>
+              <a:ext uri="{FF2B5EF4-FFF2-40B4-BE49-F238E27FC236}">
+                <a16:creationId xmlns:a16="http://schemas.microsoft.com/office/drawing/2014/main" id="{673F2748-037F-4C3D-8C7D-062DD77FC99D}"/>
+              </a:ext>
+            </a:extLst>
+          </p:cNvPr>
+          <p:cNvSpPr/>
+          <p:nvPr/>
+        </p:nvSpPr>
+        <p:spPr>
+          <a:xfrm>
+            <a:off x="902320" y="3700780"/>
+            <a:ext cx="833883" cy="346446"/>
+          </a:xfrm>
+          <a:prstGeom prst="rect">
+            <a:avLst/>
+          </a:prstGeom>
+          <a:noFill/>
+          <a:ln w="28575">
+            <a:solidFill>
+              <a:srgbClr val="00B050"/>
+            </a:solidFill>
+          </a:ln>
+        </p:spPr>
+        <p:style>
+          <a:lnRef idx="2">
+            <a:schemeClr val="accent1">
+              <a:shade val="50000"/>
+            </a:schemeClr>
+          </a:lnRef>
+          <a:fillRef idx="1">
+            <a:schemeClr val="accent1"/>
+          </a:fillRef>
+          <a:effectRef idx="0">
+            <a:schemeClr val="accent1"/>
+          </a:effectRef>
+          <a:fontRef idx="minor">
+            <a:schemeClr val="lt1"/>
+          </a:fontRef>
+        </p:style>
+        <p:txBody>
+          <a:bodyPr rtlCol="0" anchor="ctr"/>
+          <a:lstStyle/>
+          <a:p>
+            <a:pPr algn="ctr"/>
+            <a:endParaRPr lang="en-US"/>
+          </a:p>
+        </p:txBody>
+      </p:sp>
+      <p:cxnSp>
+        <p:nvCxnSpPr>
+          <p:cNvPr id="29" name="Connector: Elbow 28">
+            <a:extLst>
+              <a:ext uri="{FF2B5EF4-FFF2-40B4-BE49-F238E27FC236}">
+                <a16:creationId xmlns:a16="http://schemas.microsoft.com/office/drawing/2014/main" id="{7CA0E53E-9385-4623-B580-5C3A36BC1D9C}"/>
+              </a:ext>
+            </a:extLst>
+          </p:cNvPr>
+          <p:cNvCxnSpPr>
+            <a:cxnSpLocks/>
+          </p:cNvCxnSpPr>
+          <p:nvPr/>
+        </p:nvCxnSpPr>
+        <p:spPr>
+          <a:xfrm rot="10800000" flipV="1">
+            <a:off x="1319262" y="2864886"/>
+            <a:ext cx="3743068" cy="177256"/>
+          </a:xfrm>
+          <a:prstGeom prst="bentConnector2">
+            <a:avLst/>
+          </a:prstGeom>
+          <a:ln>
+            <a:tailEnd type="triangle"/>
+          </a:ln>
+        </p:spPr>
+        <p:style>
+          <a:lnRef idx="1">
+            <a:schemeClr val="dk1"/>
+          </a:lnRef>
+          <a:fillRef idx="0">
+            <a:schemeClr val="dk1"/>
+          </a:fillRef>
+          <a:effectRef idx="0">
+            <a:schemeClr val="dk1"/>
+          </a:effectRef>
+          <a:fontRef idx="minor">
+            <a:schemeClr val="tx1"/>
+          </a:fontRef>
+        </p:style>
+      </p:cxnSp>
+      <p:cxnSp>
+        <p:nvCxnSpPr>
+          <p:cNvPr id="30" name="Connector: Elbow 29">
+            <a:extLst>
+              <a:ext uri="{FF2B5EF4-FFF2-40B4-BE49-F238E27FC236}">
+                <a16:creationId xmlns:a16="http://schemas.microsoft.com/office/drawing/2014/main" id="{1CB67AA5-B03A-4C9A-BCD7-F85729779186}"/>
+              </a:ext>
+            </a:extLst>
+          </p:cNvPr>
+          <p:cNvCxnSpPr>
+            <a:cxnSpLocks/>
+            <a:endCxn id="28" idx="0"/>
+          </p:cNvCxnSpPr>
+          <p:nvPr/>
+        </p:nvCxnSpPr>
+        <p:spPr>
+          <a:xfrm rot="10800000" flipV="1">
+            <a:off x="1319263" y="3544684"/>
+            <a:ext cx="5452601" cy="156096"/>
+          </a:xfrm>
+          <a:prstGeom prst="bentConnector2">
+            <a:avLst/>
+          </a:prstGeom>
+          <a:ln>
+            <a:tailEnd type="triangle"/>
+          </a:ln>
+        </p:spPr>
+        <p:style>
+          <a:lnRef idx="1">
+            <a:schemeClr val="dk1"/>
+          </a:lnRef>
+          <a:fillRef idx="0">
+            <a:schemeClr val="dk1"/>
+          </a:fillRef>
+          <a:effectRef idx="0">
+            <a:schemeClr val="dk1"/>
+          </a:effectRef>
+          <a:fontRef idx="minor">
+            <a:schemeClr val="tx1"/>
+          </a:fontRef>
+        </p:style>
+      </p:cxnSp>
+      <p:cxnSp>
+        <p:nvCxnSpPr>
+          <p:cNvPr id="31" name="Connector: Elbow 30">
+            <a:extLst>
+              <a:ext uri="{FF2B5EF4-FFF2-40B4-BE49-F238E27FC236}">
+                <a16:creationId xmlns:a16="http://schemas.microsoft.com/office/drawing/2014/main" id="{D664DD50-205F-4BC3-84A6-134F186E6BF5}"/>
+              </a:ext>
+            </a:extLst>
+          </p:cNvPr>
+          <p:cNvCxnSpPr>
+            <a:cxnSpLocks/>
+          </p:cNvCxnSpPr>
+          <p:nvPr/>
+        </p:nvCxnSpPr>
+        <p:spPr>
+          <a:xfrm rot="10800000" flipV="1">
+            <a:off x="1319261" y="4157662"/>
+            <a:ext cx="2876502" cy="164171"/>
+          </a:xfrm>
+          <a:prstGeom prst="bentConnector3">
+            <a:avLst>
+              <a:gd name="adj1" fmla="val 100001"/>
+            </a:avLst>
+          </a:prstGeom>
+          <a:ln>
+            <a:tailEnd type="triangle"/>
+          </a:ln>
+        </p:spPr>
+        <p:style>
+          <a:lnRef idx="1">
+            <a:schemeClr val="dk1"/>
+          </a:lnRef>
+          <a:fillRef idx="0">
+            <a:schemeClr val="dk1"/>
+          </a:fillRef>
+          <a:effectRef idx="0">
+            <a:schemeClr val="dk1"/>
+          </a:effectRef>
+          <a:fontRef idx="minor">
+            <a:schemeClr val="tx1"/>
+          </a:fontRef>
+        </p:style>
+      </p:cxnSp>
+      <p:sp>
+        <p:nvSpPr>
+          <p:cNvPr id="32" name="Left Brace 31">
+            <a:extLst>
+              <a:ext uri="{FF2B5EF4-FFF2-40B4-BE49-F238E27FC236}">
+                <a16:creationId xmlns:a16="http://schemas.microsoft.com/office/drawing/2014/main" id="{3B379B6A-FE90-4FCA-A007-EEF37C382715}"/>
+              </a:ext>
+            </a:extLst>
+          </p:cNvPr>
+          <p:cNvSpPr/>
+          <p:nvPr/>
+        </p:nvSpPr>
+        <p:spPr>
+          <a:xfrm rot="16200000">
+            <a:off x="6383476" y="502928"/>
+            <a:ext cx="53665" cy="8621401"/>
+          </a:xfrm>
+          <a:prstGeom prst="leftBrace">
+            <a:avLst/>
+          </a:prstGeom>
+        </p:spPr>
+        <p:style>
+          <a:lnRef idx="3">
+            <a:schemeClr val="dk1"/>
+          </a:lnRef>
+          <a:fillRef idx="0">
+            <a:schemeClr val="dk1"/>
+          </a:fillRef>
+          <a:effectRef idx="2">
+            <a:schemeClr val="dk1"/>
+          </a:effectRef>
+          <a:fontRef idx="minor">
+            <a:schemeClr val="tx1"/>
+          </a:fontRef>
+        </p:style>
+        <p:txBody>
+          <a:bodyPr rtlCol="0" anchor="ctr"/>
+          <a:lstStyle/>
+          <a:p>
+            <a:pPr algn="ctr"/>
+            <a:endParaRPr lang="en-US"/>
+          </a:p>
+        </p:txBody>
+      </p:sp>
+      <p:sp>
+        <p:nvSpPr>
+          <p:cNvPr id="33" name="TextBox 32">
+            <a:extLst>
+              <a:ext uri="{FF2B5EF4-FFF2-40B4-BE49-F238E27FC236}">
+                <a16:creationId xmlns:a16="http://schemas.microsoft.com/office/drawing/2014/main" id="{6BC73B9A-F1ED-48C5-95F5-401EDD34756B}"/>
+              </a:ext>
+            </a:extLst>
+          </p:cNvPr>
+          <p:cNvSpPr txBox="1"/>
+          <p:nvPr/>
+        </p:nvSpPr>
+        <p:spPr>
+          <a:xfrm>
+            <a:off x="5277661" y="4962145"/>
+            <a:ext cx="2264741" cy="369332"/>
+          </a:xfrm>
+          <a:prstGeom prst="rect">
+            <a:avLst/>
+          </a:prstGeom>
+          <a:noFill/>
+        </p:spPr>
+        <p:txBody>
+          <a:bodyPr wrap="square">
+            <a:spAutoFit/>
+          </a:bodyPr>
+          <a:lstStyle/>
+          <a:p>
+            <a:r>
+              <a:rPr lang="pt-BR" sz="1800" dirty="0"/>
+              <a:t>n.(n-1)/2 = 10 vizinhos </a:t>
+            </a:r>
+            <a:endParaRPr lang="en-US" dirty="0"/>
           </a:p>
         </p:txBody>
       </p:sp>
     </p:spTree>
     <p:extLst>
       <p:ext uri="{BB962C8B-B14F-4D97-AF65-F5344CB8AC3E}">
-        <p14:creationId xmlns:p14="http://schemas.microsoft.com/office/powerpoint/2010/main" val="2776063"/>
+        <p14:creationId xmlns:p14="http://schemas.microsoft.com/office/powerpoint/2010/main" val="1897353977"/>
       </p:ext>
     </p:extLst>
   </p:cSld>
@@ -4190,7 +5914,7 @@
 </p:sld>
 </file>
 
-<file path=ppt/slides/slide4.xml><?xml version="1.0" encoding="utf-8"?>
+<file path=ppt/slides/slide12.xml><?xml version="1.0" encoding="utf-8"?>
 <p:sld xmlns:a="http://schemas.openxmlformats.org/drawingml/2006/main" xmlns:r="http://schemas.openxmlformats.org/officeDocument/2006/relationships" xmlns:p="http://schemas.openxmlformats.org/presentationml/2006/main">
   <p:cSld>
     <p:spTree>
@@ -4413,241 +6137,7 @@
           <a:p>
             <a:r>
               <a:rPr lang="pt-BR" dirty="0"/>
-              <a:t>Procedimento da Heurística</a:t>
-            </a:r>
-          </a:p>
-        </p:txBody>
-      </p:sp>
-      <p:sp>
-        <p:nvSpPr>
-          <p:cNvPr id="7" name="Content Placeholder 2">
-            <a:extLst>
-              <a:ext uri="{FF2B5EF4-FFF2-40B4-BE49-F238E27FC236}">
-                <a16:creationId xmlns:a16="http://schemas.microsoft.com/office/drawing/2014/main" id="{0F484B8B-4997-49EC-BEBA-7858624F5906}"/>
-              </a:ext>
-            </a:extLst>
-          </p:cNvPr>
-          <p:cNvSpPr>
-            <a:spLocks noGrp="1"/>
-          </p:cNvSpPr>
-          <p:nvPr>
-            <p:ph idx="1"/>
-          </p:nvPr>
-        </p:nvSpPr>
-        <p:spPr>
-          <a:xfrm>
-            <a:off x="838200" y="1825625"/>
-            <a:ext cx="10515600" cy="4351338"/>
-          </a:xfrm>
-        </p:spPr>
-        <p:txBody>
-          <a:bodyPr/>
-          <a:lstStyle/>
-          <a:p>
-            <a:r>
-              <a:rPr lang="pt-BR" dirty="0"/>
-              <a:t>1º passo: ordenação inicial baseado em um indicador</a:t>
-            </a:r>
-          </a:p>
-          <a:p>
-            <a:r>
-              <a:rPr lang="pt-BR" dirty="0"/>
-              <a:t>2º passo: procedimento de inserção</a:t>
-            </a:r>
-          </a:p>
-          <a:p>
-            <a:r>
-              <a:rPr lang="en-US" dirty="0"/>
-              <a:t>3º </a:t>
-            </a:r>
-            <a:r>
-              <a:rPr lang="en-US" dirty="0" err="1"/>
-              <a:t>passo</a:t>
-            </a:r>
-            <a:r>
-              <a:rPr lang="en-US" dirty="0"/>
-              <a:t>: </a:t>
-            </a:r>
-            <a:r>
-              <a:rPr lang="en-US" dirty="0" err="1"/>
-              <a:t>procedimento</a:t>
-            </a:r>
-            <a:r>
-              <a:rPr lang="en-US" dirty="0"/>
-              <a:t> de </a:t>
-            </a:r>
-            <a:r>
-              <a:rPr lang="en-US" dirty="0" err="1"/>
-              <a:t>busca</a:t>
-            </a:r>
-            <a:r>
-              <a:rPr lang="en-US" dirty="0"/>
-              <a:t> local </a:t>
-            </a:r>
-            <a:r>
-              <a:rPr lang="en-US" dirty="0" err="1"/>
-              <a:t>iterada</a:t>
-            </a:r>
-            <a:endParaRPr lang="en-US" dirty="0"/>
-          </a:p>
-          <a:p>
-            <a:endParaRPr lang="en-US" dirty="0"/>
-          </a:p>
-          <a:p>
-            <a:pPr marL="0" indent="0">
-              <a:buNone/>
-            </a:pPr>
-            <a:r>
-              <a:rPr lang="en-US" dirty="0" err="1"/>
-              <a:t>Os</a:t>
-            </a:r>
-            <a:r>
-              <a:rPr lang="en-US" dirty="0"/>
-              <a:t> </a:t>
-            </a:r>
-            <a:r>
-              <a:rPr lang="en-US" dirty="0" err="1"/>
-              <a:t>dois</a:t>
-            </a:r>
-            <a:r>
-              <a:rPr lang="en-US" dirty="0"/>
-              <a:t> </a:t>
-            </a:r>
-            <a:r>
-              <a:rPr lang="en-US" dirty="0" err="1"/>
-              <a:t>primeiros</a:t>
-            </a:r>
-            <a:r>
-              <a:rPr lang="en-US" dirty="0"/>
-              <a:t> </a:t>
-            </a:r>
-            <a:r>
-              <a:rPr lang="en-US" dirty="0" err="1"/>
-              <a:t>passos</a:t>
-            </a:r>
-            <a:r>
-              <a:rPr lang="en-US" dirty="0"/>
-              <a:t> </a:t>
-            </a:r>
-            <a:r>
-              <a:rPr lang="en-US" dirty="0" err="1"/>
-              <a:t>são</a:t>
-            </a:r>
-            <a:r>
-              <a:rPr lang="en-US" dirty="0"/>
-              <a:t> </a:t>
-            </a:r>
-            <a:r>
-              <a:rPr lang="en-US" dirty="0" err="1"/>
-              <a:t>baseados</a:t>
-            </a:r>
-            <a:r>
-              <a:rPr lang="en-US" dirty="0"/>
-              <a:t> </a:t>
-            </a:r>
-            <a:r>
-              <a:rPr lang="en-US" dirty="0" err="1"/>
-              <a:t>na</a:t>
-            </a:r>
-            <a:r>
-              <a:rPr lang="en-US" dirty="0"/>
-              <a:t> </a:t>
-            </a:r>
-            <a:r>
-              <a:rPr lang="en-US" dirty="0" err="1"/>
-              <a:t>heurística</a:t>
-            </a:r>
-            <a:r>
-              <a:rPr lang="en-US" dirty="0"/>
-              <a:t> NEH e </a:t>
-            </a:r>
-            <a:r>
-              <a:rPr lang="en-US" dirty="0" err="1"/>
-              <a:t>constroem</a:t>
-            </a:r>
-            <a:r>
-              <a:rPr lang="en-US" dirty="0"/>
-              <a:t> </a:t>
-            </a:r>
-            <a:r>
-              <a:rPr lang="en-US" dirty="0" err="1"/>
-              <a:t>uma</a:t>
-            </a:r>
-            <a:r>
-              <a:rPr lang="en-US" dirty="0"/>
-              <a:t> </a:t>
-            </a:r>
-            <a:r>
-              <a:rPr lang="en-US" dirty="0" err="1"/>
-              <a:t>solução</a:t>
-            </a:r>
-            <a:r>
-              <a:rPr lang="en-US" dirty="0"/>
-              <a:t> </a:t>
-            </a:r>
-            <a:r>
-              <a:rPr lang="en-US" dirty="0" err="1"/>
-              <a:t>inicial</a:t>
-            </a:r>
-            <a:r>
-              <a:rPr lang="en-US" dirty="0"/>
-              <a:t>, que </a:t>
-            </a:r>
-            <a:r>
-              <a:rPr lang="en-US" dirty="0" err="1"/>
-              <a:t>depois</a:t>
-            </a:r>
-            <a:r>
-              <a:rPr lang="en-US" dirty="0"/>
-              <a:t> é </a:t>
-            </a:r>
-            <a:r>
-              <a:rPr lang="en-US" dirty="0" err="1"/>
-              <a:t>melhorada</a:t>
-            </a:r>
-            <a:r>
-              <a:rPr lang="en-US" dirty="0"/>
-              <a:t> </a:t>
-            </a:r>
-            <a:r>
-              <a:rPr lang="en-US" dirty="0" err="1"/>
-              <a:t>pelo</a:t>
-            </a:r>
-            <a:r>
-              <a:rPr lang="en-US" dirty="0"/>
-              <a:t> </a:t>
-            </a:r>
-            <a:r>
-              <a:rPr lang="en-US" dirty="0" err="1"/>
-              <a:t>terceiro</a:t>
-            </a:r>
-            <a:r>
-              <a:rPr lang="en-US" dirty="0"/>
-              <a:t> </a:t>
-            </a:r>
-            <a:r>
-              <a:rPr lang="en-US" dirty="0" err="1"/>
-              <a:t>passo</a:t>
-            </a:r>
-            <a:r>
-              <a:rPr lang="en-US" dirty="0"/>
-              <a:t> da </a:t>
-            </a:r>
-            <a:r>
-              <a:rPr lang="en-US" dirty="0" err="1"/>
-              <a:t>busca</a:t>
-            </a:r>
-            <a:r>
-              <a:rPr lang="en-US" dirty="0"/>
-              <a:t> local </a:t>
-            </a:r>
-            <a:r>
-              <a:rPr lang="en-US" dirty="0" err="1"/>
-              <a:t>iterada</a:t>
-            </a:r>
-            <a:r>
-              <a:rPr lang="en-US" dirty="0"/>
-              <a:t>.</a:t>
+              <a:t>Resultados</a:t>
             </a:r>
           </a:p>
         </p:txBody>
@@ -4655,7 +6145,7 @@
     </p:spTree>
     <p:extLst>
       <p:ext uri="{BB962C8B-B14F-4D97-AF65-F5344CB8AC3E}">
-        <p14:creationId xmlns:p14="http://schemas.microsoft.com/office/powerpoint/2010/main" val="1768694020"/>
+        <p14:creationId xmlns:p14="http://schemas.microsoft.com/office/powerpoint/2010/main" val="2173090979"/>
       </p:ext>
     </p:extLst>
   </p:cSld>
@@ -4665,7 +6155,7 @@
 </p:sld>
 </file>
 
-<file path=ppt/slides/slide5.xml><?xml version="1.0" encoding="utf-8"?>
+<file path=ppt/slides/slide13.xml><?xml version="1.0" encoding="utf-8"?>
 <p:sld xmlns:a="http://schemas.openxmlformats.org/drawingml/2006/main" xmlns:r="http://schemas.openxmlformats.org/officeDocument/2006/relationships" xmlns:p="http://schemas.openxmlformats.org/presentationml/2006/main">
   <p:cSld>
     <p:spTree>
@@ -4867,106 +6357,10 @@
       </p:grpSp>
       <p:sp>
         <p:nvSpPr>
-          <p:cNvPr id="7" name="Content Placeholder 2">
-            <a:extLst>
-              <a:ext uri="{FF2B5EF4-FFF2-40B4-BE49-F238E27FC236}">
-                <a16:creationId xmlns:a16="http://schemas.microsoft.com/office/drawing/2014/main" id="{5A1070A9-0C16-43AA-8DE1-35D36228A733}"/>
-              </a:ext>
-            </a:extLst>
-          </p:cNvPr>
-          <p:cNvSpPr>
-            <a:spLocks noGrp="1"/>
-          </p:cNvSpPr>
-          <p:nvPr>
-            <p:ph idx="1"/>
-          </p:nvPr>
-        </p:nvSpPr>
-        <p:spPr>
-          <a:xfrm>
-            <a:off x="838200" y="1825624"/>
-            <a:ext cx="10515600" cy="4943475"/>
-          </a:xfrm>
-        </p:spPr>
-        <p:txBody>
-          <a:bodyPr/>
-          <a:lstStyle/>
-          <a:p>
-            <a:pPr marL="0" indent="0">
-              <a:buNone/>
-            </a:pPr>
-            <a:r>
-              <a:rPr lang="pt-BR" dirty="0"/>
-              <a:t>Ordenação inicial das tarefas de acordo com 4 variantes:</a:t>
-            </a:r>
-          </a:p>
-          <a:p>
-            <a:r>
-              <a:rPr lang="pt-BR" dirty="0"/>
-              <a:t>KK: ordenação em ordem decrescente de </a:t>
-            </a:r>
-          </a:p>
-          <a:p>
-            <a:pPr marL="0" indent="0">
-              <a:buNone/>
-            </a:pPr>
-            <a:r>
-              <a:rPr lang="pt-BR" dirty="0"/>
-              <a:t>sendo:</a:t>
-            </a:r>
-          </a:p>
-          <a:p>
-            <a:pPr marL="0" indent="0">
-              <a:buNone/>
-            </a:pPr>
-            <a:endParaRPr lang="pt-BR" dirty="0"/>
-          </a:p>
-          <a:p>
-            <a:r>
-              <a:rPr lang="pt-BR" dirty="0"/>
-              <a:t>LPT: ordenação em ordem decrescente de </a:t>
-            </a:r>
-          </a:p>
-          <a:p>
-            <a:r>
-              <a:rPr lang="pt-BR" dirty="0"/>
-              <a:t>NM: ordenação em ordem decrescente de</a:t>
-            </a:r>
-          </a:p>
-          <a:p>
-            <a:pPr marL="0" indent="0">
-              <a:buNone/>
-            </a:pPr>
-            <a:r>
-              <a:rPr lang="pt-BR" dirty="0"/>
-              <a:t>sendo </a:t>
-            </a:r>
-            <a:r>
-              <a:rPr lang="pt-BR" dirty="0" err="1"/>
-              <a:t>BT</a:t>
-            </a:r>
-            <a:r>
-              <a:rPr lang="pt-BR" baseline="-25000" dirty="0" err="1"/>
-              <a:t>hi</a:t>
-            </a:r>
-            <a:r>
-              <a:rPr lang="pt-BR" dirty="0"/>
-              <a:t>  o limite inferior do tempo de espera entre o término da tarefa i para o início da tarefa h em todas as máquinas consideradas</a:t>
-            </a:r>
-          </a:p>
-          <a:p>
-            <a:r>
-              <a:rPr lang="pt-BR" dirty="0"/>
-              <a:t>RA: uma sequência inicial é gerada randomicamente</a:t>
-            </a:r>
-          </a:p>
-        </p:txBody>
-      </p:sp>
-      <p:sp>
-        <p:nvSpPr>
-          <p:cNvPr id="11" name="Title 1">
-            <a:extLst>
-              <a:ext uri="{FF2B5EF4-FFF2-40B4-BE49-F238E27FC236}">
-                <a16:creationId xmlns:a16="http://schemas.microsoft.com/office/drawing/2014/main" id="{EC0D26A2-49C6-4DEB-8DC0-D259E0D6E1D1}"/>
+          <p:cNvPr id="2" name="Title 1">
+            <a:extLst>
+              <a:ext uri="{FF2B5EF4-FFF2-40B4-BE49-F238E27FC236}">
+                <a16:creationId xmlns:a16="http://schemas.microsoft.com/office/drawing/2014/main" id="{43D6345F-DDA8-41BD-9F51-4947FE7D4705}"/>
               </a:ext>
             </a:extLst>
           </p:cNvPr>
@@ -4977,224 +6371,22 @@
             <p:ph type="title"/>
           </p:nvPr>
         </p:nvSpPr>
-        <p:spPr>
-          <a:xfrm>
-            <a:off x="838200" y="365125"/>
-            <a:ext cx="10515600" cy="1325563"/>
-          </a:xfrm>
-        </p:spPr>
+        <p:spPr/>
         <p:txBody>
           <a:bodyPr/>
           <a:lstStyle/>
           <a:p>
             <a:r>
               <a:rPr lang="pt-BR" dirty="0"/>
-              <a:t>Procedimento da Heurística – 1º Passo</a:t>
-            </a:r>
-          </a:p>
-        </p:txBody>
-      </p:sp>
-      <p:pic>
-        <p:nvPicPr>
-          <p:cNvPr id="6" name="Picture 5">
-            <a:extLst>
-              <a:ext uri="{FF2B5EF4-FFF2-40B4-BE49-F238E27FC236}">
-                <a16:creationId xmlns:a16="http://schemas.microsoft.com/office/drawing/2014/main" id="{DBC66489-7DB0-45BC-9C62-0AD1F7A7F7B7}"/>
-              </a:ext>
-            </a:extLst>
-          </p:cNvPr>
-          <p:cNvPicPr>
-            <a:picLocks noChangeAspect="1"/>
-          </p:cNvPicPr>
-          <p:nvPr/>
-        </p:nvPicPr>
-        <p:blipFill rotWithShape="1">
-          <a:blip r:embed="rId2"/>
-          <a:srcRect t="13361" b="10982"/>
-          <a:stretch/>
-        </p:blipFill>
-        <p:spPr>
-          <a:xfrm>
-            <a:off x="7319413" y="3901556"/>
-            <a:ext cx="2116136" cy="445156"/>
-          </a:xfrm>
-          <a:prstGeom prst="rect">
-            <a:avLst/>
-          </a:prstGeom>
-        </p:spPr>
-      </p:pic>
-      <p:pic>
-        <p:nvPicPr>
-          <p:cNvPr id="9" name="Picture 8">
-            <a:extLst>
-              <a:ext uri="{FF2B5EF4-FFF2-40B4-BE49-F238E27FC236}">
-                <a16:creationId xmlns:a16="http://schemas.microsoft.com/office/drawing/2014/main" id="{5775D6D0-BFC9-4CDA-9C22-8ED7C8B8239E}"/>
-              </a:ext>
-            </a:extLst>
-          </p:cNvPr>
-          <p:cNvPicPr>
-            <a:picLocks noChangeAspect="1"/>
-          </p:cNvPicPr>
-          <p:nvPr/>
-        </p:nvPicPr>
-        <p:blipFill rotWithShape="1">
-          <a:blip r:embed="rId3"/>
-          <a:srcRect t="12195" b="1"/>
-          <a:stretch/>
-        </p:blipFill>
-        <p:spPr>
-          <a:xfrm>
-            <a:off x="7345918" y="4396643"/>
-            <a:ext cx="3149804" cy="453652"/>
-          </a:xfrm>
-          <a:prstGeom prst="rect">
-            <a:avLst/>
-          </a:prstGeom>
-        </p:spPr>
-      </p:pic>
-      <p:pic>
-        <p:nvPicPr>
-          <p:cNvPr id="21" name="Picture 20">
-            <a:extLst>
-              <a:ext uri="{FF2B5EF4-FFF2-40B4-BE49-F238E27FC236}">
-                <a16:creationId xmlns:a16="http://schemas.microsoft.com/office/drawing/2014/main" id="{2665EDC6-4DAF-4454-9C55-87F78551E7AD}"/>
-              </a:ext>
-            </a:extLst>
-          </p:cNvPr>
-          <p:cNvPicPr>
-            <a:picLocks noChangeAspect="1"/>
-          </p:cNvPicPr>
-          <p:nvPr/>
-        </p:nvPicPr>
-        <p:blipFill rotWithShape="1">
-          <a:blip r:embed="rId4"/>
-          <a:srcRect t="5314" b="-1"/>
-          <a:stretch/>
-        </p:blipFill>
-        <p:spPr>
-          <a:xfrm>
-            <a:off x="2933590" y="3397249"/>
-            <a:ext cx="4686954" cy="351789"/>
-          </a:xfrm>
-          <a:prstGeom prst="rect">
-            <a:avLst/>
-          </a:prstGeom>
-        </p:spPr>
-      </p:pic>
-      <p:grpSp>
-        <p:nvGrpSpPr>
-          <p:cNvPr id="23" name="Group 22">
-            <a:extLst>
-              <a:ext uri="{FF2B5EF4-FFF2-40B4-BE49-F238E27FC236}">
-                <a16:creationId xmlns:a16="http://schemas.microsoft.com/office/drawing/2014/main" id="{E8E45C5A-2B36-4C13-8DD3-7FF4076AF903}"/>
-              </a:ext>
-            </a:extLst>
-          </p:cNvPr>
-          <p:cNvGrpSpPr/>
-          <p:nvPr/>
-        </p:nvGrpSpPr>
-        <p:grpSpPr>
-          <a:xfrm>
-            <a:off x="2951758" y="2863263"/>
-            <a:ext cx="4668786" cy="428500"/>
-            <a:chOff x="1402358" y="2966772"/>
-            <a:chExt cx="4668786" cy="428500"/>
-          </a:xfrm>
-        </p:grpSpPr>
-        <p:pic>
-          <p:nvPicPr>
-            <p:cNvPr id="19" name="Picture 18">
-              <a:extLst>
-                <a:ext uri="{FF2B5EF4-FFF2-40B4-BE49-F238E27FC236}">
-                  <a16:creationId xmlns:a16="http://schemas.microsoft.com/office/drawing/2014/main" id="{6FCE5EE4-7A5C-4747-BAD3-90E47B5269D0}"/>
-                </a:ext>
-              </a:extLst>
-            </p:cNvPr>
-            <p:cNvPicPr>
-              <a:picLocks noChangeAspect="1"/>
-            </p:cNvPicPr>
-            <p:nvPr/>
-          </p:nvPicPr>
-          <p:blipFill>
-            <a:blip r:embed="rId5"/>
-            <a:stretch>
-              <a:fillRect/>
-            </a:stretch>
-          </p:blipFill>
-          <p:spPr>
-            <a:xfrm>
-              <a:off x="1402358" y="2966772"/>
-              <a:ext cx="4324954" cy="419158"/>
-            </a:xfrm>
-            <a:prstGeom prst="rect">
-              <a:avLst/>
-            </a:prstGeom>
-          </p:spPr>
-        </p:pic>
-        <p:pic>
-          <p:nvPicPr>
-            <p:cNvPr id="22" name="Picture 21">
-              <a:extLst>
-                <a:ext uri="{FF2B5EF4-FFF2-40B4-BE49-F238E27FC236}">
-                  <a16:creationId xmlns:a16="http://schemas.microsoft.com/office/drawing/2014/main" id="{CFE985A0-BCEF-4A3F-87C7-9D6DE74A63AA}"/>
-                </a:ext>
-              </a:extLst>
-            </p:cNvPr>
-            <p:cNvPicPr>
-              <a:picLocks noChangeAspect="1"/>
-            </p:cNvPicPr>
-            <p:nvPr/>
-          </p:nvPicPr>
-          <p:blipFill rotWithShape="1">
-            <a:blip r:embed="rId4"/>
-            <a:srcRect l="92827" t="-504" b="-1"/>
-            <a:stretch/>
-          </p:blipFill>
-          <p:spPr>
-            <a:xfrm>
-              <a:off x="5734932" y="3021865"/>
-              <a:ext cx="336212" cy="373407"/>
-            </a:xfrm>
-            <a:prstGeom prst="rect">
-              <a:avLst/>
-            </a:prstGeom>
-          </p:spPr>
-        </p:pic>
-      </p:grpSp>
-      <p:pic>
-        <p:nvPicPr>
-          <p:cNvPr id="25" name="Picture 24">
-            <a:extLst>
-              <a:ext uri="{FF2B5EF4-FFF2-40B4-BE49-F238E27FC236}">
-                <a16:creationId xmlns:a16="http://schemas.microsoft.com/office/drawing/2014/main" id="{5252A0A2-41CA-4913-B0A2-28D032D5ADEF}"/>
-              </a:ext>
-            </a:extLst>
-          </p:cNvPr>
-          <p:cNvPicPr>
-            <a:picLocks noChangeAspect="1"/>
-          </p:cNvPicPr>
-          <p:nvPr/>
-        </p:nvPicPr>
-        <p:blipFill>
-          <a:blip r:embed="rId6"/>
-          <a:stretch>
-            <a:fillRect/>
-          </a:stretch>
-        </p:blipFill>
-        <p:spPr>
-          <a:xfrm>
-            <a:off x="7199068" y="2389952"/>
-            <a:ext cx="1995067" cy="369872"/>
-          </a:xfrm>
-          <a:prstGeom prst="rect">
-            <a:avLst/>
-          </a:prstGeom>
-        </p:spPr>
-      </p:pic>
+              <a:t>Conclusão</a:t>
+            </a:r>
+          </a:p>
+        </p:txBody>
+      </p:sp>
     </p:spTree>
     <p:extLst>
       <p:ext uri="{BB962C8B-B14F-4D97-AF65-F5344CB8AC3E}">
-        <p14:creationId xmlns:p14="http://schemas.microsoft.com/office/powerpoint/2010/main" val="4092637820"/>
+        <p14:creationId xmlns:p14="http://schemas.microsoft.com/office/powerpoint/2010/main" val="3496479770"/>
       </p:ext>
     </p:extLst>
   </p:cSld>
@@ -5204,7 +6396,87 @@
 </p:sld>
 </file>
 
-<file path=ppt/slides/slide6.xml><?xml version="1.0" encoding="utf-8"?>
+<file path=ppt/slides/slide14.xml><?xml version="1.0" encoding="utf-8"?>
+<p:sld xmlns:a="http://schemas.openxmlformats.org/drawingml/2006/main" xmlns:r="http://schemas.openxmlformats.org/officeDocument/2006/relationships" xmlns:p="http://schemas.openxmlformats.org/presentationml/2006/main">
+  <p:cSld>
+    <p:spTree>
+      <p:nvGrpSpPr>
+        <p:cNvPr id="1" name=""/>
+        <p:cNvGrpSpPr/>
+        <p:nvPr/>
+      </p:nvGrpSpPr>
+      <p:grpSpPr>
+        <a:xfrm>
+          <a:off x="0" y="0"/>
+          <a:ext cx="0" cy="0"/>
+          <a:chOff x="0" y="0"/>
+          <a:chExt cx="0" cy="0"/>
+        </a:xfrm>
+      </p:grpSpPr>
+      <p:sp>
+        <p:nvSpPr>
+          <p:cNvPr id="2" name="Title 1">
+            <a:extLst>
+              <a:ext uri="{FF2B5EF4-FFF2-40B4-BE49-F238E27FC236}">
+                <a16:creationId xmlns:a16="http://schemas.microsoft.com/office/drawing/2014/main" id="{9B148A66-7A3C-4F76-A5BA-9EC47E357300}"/>
+              </a:ext>
+            </a:extLst>
+          </p:cNvPr>
+          <p:cNvSpPr>
+            <a:spLocks noGrp="1"/>
+          </p:cNvSpPr>
+          <p:nvPr>
+            <p:ph type="title"/>
+          </p:nvPr>
+        </p:nvSpPr>
+        <p:spPr/>
+        <p:txBody>
+          <a:bodyPr/>
+          <a:lstStyle/>
+          <a:p>
+            <a:endParaRPr lang="en-US"/>
+          </a:p>
+        </p:txBody>
+      </p:sp>
+      <p:sp>
+        <p:nvSpPr>
+          <p:cNvPr id="3" name="Content Placeholder 2">
+            <a:extLst>
+              <a:ext uri="{FF2B5EF4-FFF2-40B4-BE49-F238E27FC236}">
+                <a16:creationId xmlns:a16="http://schemas.microsoft.com/office/drawing/2014/main" id="{D14AE3CB-5727-490C-B232-9E32B274ACF3}"/>
+              </a:ext>
+            </a:extLst>
+          </p:cNvPr>
+          <p:cNvSpPr>
+            <a:spLocks noGrp="1"/>
+          </p:cNvSpPr>
+          <p:nvPr>
+            <p:ph idx="1"/>
+          </p:nvPr>
+        </p:nvSpPr>
+        <p:spPr/>
+        <p:txBody>
+          <a:bodyPr/>
+          <a:lstStyle/>
+          <a:p>
+            <a:endParaRPr lang="en-US" dirty="0"/>
+          </a:p>
+        </p:txBody>
+      </p:sp>
+    </p:spTree>
+    <p:extLst>
+      <p:ext uri="{BB962C8B-B14F-4D97-AF65-F5344CB8AC3E}">
+        <p14:creationId xmlns:p14="http://schemas.microsoft.com/office/powerpoint/2010/main" val="3404955641"/>
+      </p:ext>
+    </p:extLst>
+  </p:cSld>
+  <p:clrMapOvr>
+    <a:masterClrMapping/>
+  </p:clrMapOvr>
+</p:sld>
+</file>
+
+<file path=ppt/slides/slide2.xml><?xml version="1.0" encoding="utf-8"?>
 <p:sld xmlns:a="http://schemas.openxmlformats.org/drawingml/2006/main" xmlns:r="http://schemas.openxmlformats.org/officeDocument/2006/relationships" xmlns:p="http://schemas.openxmlformats.org/presentationml/2006/main">
   <p:cSld>
     <p:spTree>
@@ -5406,43 +6678,10 @@
       </p:grpSp>
       <p:sp>
         <p:nvSpPr>
-          <p:cNvPr id="7" name="Content Placeholder 2">
-            <a:extLst>
-              <a:ext uri="{FF2B5EF4-FFF2-40B4-BE49-F238E27FC236}">
-                <a16:creationId xmlns:a16="http://schemas.microsoft.com/office/drawing/2014/main" id="{5A1070A9-0C16-43AA-8DE1-35D36228A733}"/>
-              </a:ext>
-            </a:extLst>
-          </p:cNvPr>
-          <p:cNvSpPr>
-            <a:spLocks noGrp="1"/>
-          </p:cNvSpPr>
-          <p:nvPr>
-            <p:ph idx="1"/>
-          </p:nvPr>
-        </p:nvSpPr>
-        <p:spPr>
-          <a:xfrm>
-            <a:off x="838200" y="1825624"/>
-            <a:ext cx="10515600" cy="4943475"/>
-          </a:xfrm>
-        </p:spPr>
-        <p:txBody>
-          <a:bodyPr/>
-          <a:lstStyle/>
-          <a:p>
-            <a:pPr marL="0" indent="0">
-              <a:buNone/>
-            </a:pPr>
-            <a:endParaRPr lang="pt-BR" dirty="0"/>
-          </a:p>
-        </p:txBody>
-      </p:sp>
-      <p:sp>
-        <p:nvSpPr>
-          <p:cNvPr id="11" name="Title 1">
-            <a:extLst>
-              <a:ext uri="{FF2B5EF4-FFF2-40B4-BE49-F238E27FC236}">
-                <a16:creationId xmlns:a16="http://schemas.microsoft.com/office/drawing/2014/main" id="{EC0D26A2-49C6-4DEB-8DC0-D259E0D6E1D1}"/>
+          <p:cNvPr id="2" name="Title 1">
+            <a:extLst>
+              <a:ext uri="{FF2B5EF4-FFF2-40B4-BE49-F238E27FC236}">
+                <a16:creationId xmlns:a16="http://schemas.microsoft.com/office/drawing/2014/main" id="{43D6345F-DDA8-41BD-9F51-4947FE7D4705}"/>
               </a:ext>
             </a:extLst>
           </p:cNvPr>
@@ -5453,27 +6692,23 @@
             <p:ph type="title"/>
           </p:nvPr>
         </p:nvSpPr>
-        <p:spPr>
-          <a:xfrm>
-            <a:off x="838200" y="365125"/>
-            <a:ext cx="10515600" cy="1325563"/>
-          </a:xfrm>
-        </p:spPr>
+        <p:spPr/>
         <p:txBody>
           <a:bodyPr/>
           <a:lstStyle/>
           <a:p>
             <a:r>
               <a:rPr lang="pt-BR" dirty="0"/>
-              <a:t>Procedimento da Heurística – 2º Passo</a:t>
-            </a:r>
+              <a:t>Contextualização</a:t>
+            </a:r>
+            <a:endParaRPr lang="pt-BR" i="1" dirty="0"/>
           </a:p>
         </p:txBody>
       </p:sp>
     </p:spTree>
     <p:extLst>
       <p:ext uri="{BB962C8B-B14F-4D97-AF65-F5344CB8AC3E}">
-        <p14:creationId xmlns:p14="http://schemas.microsoft.com/office/powerpoint/2010/main" val="2937501488"/>
+        <p14:creationId xmlns:p14="http://schemas.microsoft.com/office/powerpoint/2010/main" val="32668256"/>
       </p:ext>
     </p:extLst>
   </p:cSld>
@@ -5483,7 +6718,7 @@
 </p:sld>
 </file>
 
-<file path=ppt/slides/slide7.xml><?xml version="1.0" encoding="utf-8"?>
+<file path=ppt/slides/slide3.xml><?xml version="1.0" encoding="utf-8"?>
 <p:sld xmlns:a="http://schemas.openxmlformats.org/drawingml/2006/main" xmlns:r="http://schemas.openxmlformats.org/officeDocument/2006/relationships" xmlns:p="http://schemas.openxmlformats.org/presentationml/2006/main">
   <p:cSld>
     <p:spTree>
@@ -5685,74 +6920,10 @@
       </p:grpSp>
       <p:sp>
         <p:nvSpPr>
-          <p:cNvPr id="7" name="Content Placeholder 2">
-            <a:extLst>
-              <a:ext uri="{FF2B5EF4-FFF2-40B4-BE49-F238E27FC236}">
-                <a16:creationId xmlns:a16="http://schemas.microsoft.com/office/drawing/2014/main" id="{5A1070A9-0C16-43AA-8DE1-35D36228A733}"/>
-              </a:ext>
-            </a:extLst>
-          </p:cNvPr>
-          <p:cNvSpPr>
-            <a:spLocks noGrp="1"/>
-          </p:cNvSpPr>
-          <p:nvPr>
-            <p:ph idx="1"/>
-          </p:nvPr>
-        </p:nvSpPr>
-        <p:spPr>
-          <a:xfrm>
-            <a:off x="838200" y="1825624"/>
-            <a:ext cx="10756900" cy="4943475"/>
-          </a:xfrm>
-        </p:spPr>
-        <p:txBody>
-          <a:bodyPr/>
-          <a:lstStyle/>
-          <a:p>
-            <a:r>
-              <a:rPr lang="pt-BR" dirty="0"/>
-              <a:t>NEDA: Algoritmo Descendente Não Exaustivo</a:t>
-            </a:r>
-          </a:p>
-          <a:p>
-            <a:pPr marL="0" indent="0">
-              <a:buNone/>
-            </a:pPr>
-            <a:r>
-              <a:rPr lang="pt-BR" sz="2400" dirty="0"/>
-              <a:t>Tenta melhorar a solução (</a:t>
-            </a:r>
-            <a:r>
-              <a:rPr lang="el-GR" sz="2400" dirty="0"/>
-              <a:t>π</a:t>
-            </a:r>
-            <a:r>
-              <a:rPr lang="pt-BR" sz="2400" dirty="0"/>
-              <a:t>) trocando quaisquer duas posições na sequência. Pode gerar até n.(n-1)/2 vizinhos. Se uma nova permutação melhorar o valor da função objetivo, ela se torna a nova solução atual e o processo continua até que todas as posições tenham sido permutadas e a melhoria já não está acontecendo. Neste procedimento, </a:t>
-            </a:r>
-            <a:r>
-              <a:rPr lang="pt-BR" sz="2400" b="1" dirty="0"/>
-              <a:t>a vizinhança é sempre explorada na mesma ordem</a:t>
-            </a:r>
-            <a:r>
-              <a:rPr lang="pt-BR" sz="2400" dirty="0"/>
-              <a:t>.</a:t>
-            </a:r>
-          </a:p>
-          <a:p>
-            <a:pPr marL="0" indent="0">
-              <a:buNone/>
-            </a:pPr>
-            <a:endParaRPr lang="pt-BR" sz="2400" dirty="0"/>
-          </a:p>
-        </p:txBody>
-      </p:sp>
-      <p:sp>
-        <p:nvSpPr>
-          <p:cNvPr id="11" name="Title 1">
-            <a:extLst>
-              <a:ext uri="{FF2B5EF4-FFF2-40B4-BE49-F238E27FC236}">
-                <a16:creationId xmlns:a16="http://schemas.microsoft.com/office/drawing/2014/main" id="{EC0D26A2-49C6-4DEB-8DC0-D259E0D6E1D1}"/>
+          <p:cNvPr id="2" name="Title 1">
+            <a:extLst>
+              <a:ext uri="{FF2B5EF4-FFF2-40B4-BE49-F238E27FC236}">
+                <a16:creationId xmlns:a16="http://schemas.microsoft.com/office/drawing/2014/main" id="{43D6345F-DDA8-41BD-9F51-4947FE7D4705}"/>
               </a:ext>
             </a:extLst>
           </p:cNvPr>
@@ -5763,19 +6934,14 @@
             <p:ph type="title"/>
           </p:nvPr>
         </p:nvSpPr>
-        <p:spPr>
-          <a:xfrm>
-            <a:off x="838200" y="365125"/>
-            <a:ext cx="10515600" cy="1325563"/>
-          </a:xfrm>
-        </p:spPr>
+        <p:spPr/>
         <p:txBody>
           <a:bodyPr/>
           <a:lstStyle/>
           <a:p>
             <a:r>
               <a:rPr lang="pt-BR" dirty="0"/>
-              <a:t>Procedimento da Heurística – 3º Passo</a:t>
+              <a:t>Reversibilidade</a:t>
             </a:r>
           </a:p>
         </p:txBody>
@@ -5783,7 +6949,7 @@
     </p:spTree>
     <p:extLst>
       <p:ext uri="{BB962C8B-B14F-4D97-AF65-F5344CB8AC3E}">
-        <p14:creationId xmlns:p14="http://schemas.microsoft.com/office/powerpoint/2010/main" val="693004224"/>
+        <p14:creationId xmlns:p14="http://schemas.microsoft.com/office/powerpoint/2010/main" val="2776063"/>
       </p:ext>
     </p:extLst>
   </p:cSld>
@@ -5793,7 +6959,7 @@
 </p:sld>
 </file>
 
-<file path=ppt/slides/slide8.xml><?xml version="1.0" encoding="utf-8"?>
+<file path=ppt/slides/slide4.xml><?xml version="1.0" encoding="utf-8"?>
 <p:sld xmlns:a="http://schemas.openxmlformats.org/drawingml/2006/main" xmlns:r="http://schemas.openxmlformats.org/officeDocument/2006/relationships" xmlns:p="http://schemas.openxmlformats.org/presentationml/2006/main">
   <p:cSld>
     <p:spTree>
@@ -6016,7 +7182,241 @@
           <a:p>
             <a:r>
               <a:rPr lang="pt-BR" dirty="0"/>
-              <a:t>Resultados</a:t>
+              <a:t>Procedimento da Heurística</a:t>
+            </a:r>
+          </a:p>
+        </p:txBody>
+      </p:sp>
+      <p:sp>
+        <p:nvSpPr>
+          <p:cNvPr id="7" name="Content Placeholder 2">
+            <a:extLst>
+              <a:ext uri="{FF2B5EF4-FFF2-40B4-BE49-F238E27FC236}">
+                <a16:creationId xmlns:a16="http://schemas.microsoft.com/office/drawing/2014/main" id="{0F484B8B-4997-49EC-BEBA-7858624F5906}"/>
+              </a:ext>
+            </a:extLst>
+          </p:cNvPr>
+          <p:cNvSpPr>
+            <a:spLocks noGrp="1"/>
+          </p:cNvSpPr>
+          <p:nvPr>
+            <p:ph idx="1"/>
+          </p:nvPr>
+        </p:nvSpPr>
+        <p:spPr>
+          <a:xfrm>
+            <a:off x="838200" y="1825625"/>
+            <a:ext cx="10515600" cy="4351338"/>
+          </a:xfrm>
+        </p:spPr>
+        <p:txBody>
+          <a:bodyPr/>
+          <a:lstStyle/>
+          <a:p>
+            <a:r>
+              <a:rPr lang="pt-BR" dirty="0"/>
+              <a:t>1º passo: ordenação inicial baseado em um indicador</a:t>
+            </a:r>
+          </a:p>
+          <a:p>
+            <a:r>
+              <a:rPr lang="pt-BR" dirty="0"/>
+              <a:t>2º passo: procedimento de inserção</a:t>
+            </a:r>
+          </a:p>
+          <a:p>
+            <a:r>
+              <a:rPr lang="en-US" dirty="0"/>
+              <a:t>3º </a:t>
+            </a:r>
+            <a:r>
+              <a:rPr lang="en-US" dirty="0" err="1"/>
+              <a:t>passo</a:t>
+            </a:r>
+            <a:r>
+              <a:rPr lang="en-US" dirty="0"/>
+              <a:t>: </a:t>
+            </a:r>
+            <a:r>
+              <a:rPr lang="en-US" dirty="0" err="1"/>
+              <a:t>procedimento</a:t>
+            </a:r>
+            <a:r>
+              <a:rPr lang="en-US" dirty="0"/>
+              <a:t> de </a:t>
+            </a:r>
+            <a:r>
+              <a:rPr lang="en-US" dirty="0" err="1"/>
+              <a:t>busca</a:t>
+            </a:r>
+            <a:r>
+              <a:rPr lang="en-US" dirty="0"/>
+              <a:t> local </a:t>
+            </a:r>
+            <a:r>
+              <a:rPr lang="en-US" dirty="0" err="1"/>
+              <a:t>iterada</a:t>
+            </a:r>
+            <a:endParaRPr lang="en-US" dirty="0"/>
+          </a:p>
+          <a:p>
+            <a:endParaRPr lang="en-US" dirty="0"/>
+          </a:p>
+          <a:p>
+            <a:pPr marL="0" indent="0">
+              <a:buNone/>
+            </a:pPr>
+            <a:r>
+              <a:rPr lang="en-US" dirty="0" err="1"/>
+              <a:t>Os</a:t>
+            </a:r>
+            <a:r>
+              <a:rPr lang="en-US" dirty="0"/>
+              <a:t> </a:t>
+            </a:r>
+            <a:r>
+              <a:rPr lang="en-US" dirty="0" err="1"/>
+              <a:t>dois</a:t>
+            </a:r>
+            <a:r>
+              <a:rPr lang="en-US" dirty="0"/>
+              <a:t> </a:t>
+            </a:r>
+            <a:r>
+              <a:rPr lang="en-US" dirty="0" err="1"/>
+              <a:t>primeiros</a:t>
+            </a:r>
+            <a:r>
+              <a:rPr lang="en-US" dirty="0"/>
+              <a:t> </a:t>
+            </a:r>
+            <a:r>
+              <a:rPr lang="en-US" dirty="0" err="1"/>
+              <a:t>passos</a:t>
+            </a:r>
+            <a:r>
+              <a:rPr lang="en-US" dirty="0"/>
+              <a:t> </a:t>
+            </a:r>
+            <a:r>
+              <a:rPr lang="en-US" dirty="0" err="1"/>
+              <a:t>são</a:t>
+            </a:r>
+            <a:r>
+              <a:rPr lang="en-US" dirty="0"/>
+              <a:t> </a:t>
+            </a:r>
+            <a:r>
+              <a:rPr lang="en-US" dirty="0" err="1"/>
+              <a:t>baseados</a:t>
+            </a:r>
+            <a:r>
+              <a:rPr lang="en-US" dirty="0"/>
+              <a:t> </a:t>
+            </a:r>
+            <a:r>
+              <a:rPr lang="en-US" dirty="0" err="1"/>
+              <a:t>na</a:t>
+            </a:r>
+            <a:r>
+              <a:rPr lang="en-US" dirty="0"/>
+              <a:t> </a:t>
+            </a:r>
+            <a:r>
+              <a:rPr lang="en-US" dirty="0" err="1"/>
+              <a:t>heurística</a:t>
+            </a:r>
+            <a:r>
+              <a:rPr lang="en-US" dirty="0"/>
+              <a:t> NEH e </a:t>
+            </a:r>
+            <a:r>
+              <a:rPr lang="en-US" dirty="0" err="1"/>
+              <a:t>constroem</a:t>
+            </a:r>
+            <a:r>
+              <a:rPr lang="en-US" dirty="0"/>
+              <a:t> </a:t>
+            </a:r>
+            <a:r>
+              <a:rPr lang="en-US" dirty="0" err="1"/>
+              <a:t>uma</a:t>
+            </a:r>
+            <a:r>
+              <a:rPr lang="en-US" dirty="0"/>
+              <a:t> </a:t>
+            </a:r>
+            <a:r>
+              <a:rPr lang="en-US" dirty="0" err="1"/>
+              <a:t>solução</a:t>
+            </a:r>
+            <a:r>
+              <a:rPr lang="en-US" dirty="0"/>
+              <a:t> </a:t>
+            </a:r>
+            <a:r>
+              <a:rPr lang="en-US" dirty="0" err="1"/>
+              <a:t>inicial</a:t>
+            </a:r>
+            <a:r>
+              <a:rPr lang="en-US" dirty="0"/>
+              <a:t>, que </a:t>
+            </a:r>
+            <a:r>
+              <a:rPr lang="en-US" dirty="0" err="1"/>
+              <a:t>depois</a:t>
+            </a:r>
+            <a:r>
+              <a:rPr lang="en-US" dirty="0"/>
+              <a:t> é </a:t>
+            </a:r>
+            <a:r>
+              <a:rPr lang="en-US" dirty="0" err="1"/>
+              <a:t>melhorada</a:t>
+            </a:r>
+            <a:r>
+              <a:rPr lang="en-US" dirty="0"/>
+              <a:t> </a:t>
+            </a:r>
+            <a:r>
+              <a:rPr lang="en-US" dirty="0" err="1"/>
+              <a:t>pelo</a:t>
+            </a:r>
+            <a:r>
+              <a:rPr lang="en-US" dirty="0"/>
+              <a:t> </a:t>
+            </a:r>
+            <a:r>
+              <a:rPr lang="en-US" dirty="0" err="1"/>
+              <a:t>terceiro</a:t>
+            </a:r>
+            <a:r>
+              <a:rPr lang="en-US" dirty="0"/>
+              <a:t> </a:t>
+            </a:r>
+            <a:r>
+              <a:rPr lang="en-US" dirty="0" err="1"/>
+              <a:t>passo</a:t>
+            </a:r>
+            <a:r>
+              <a:rPr lang="en-US" dirty="0"/>
+              <a:t> da </a:t>
+            </a:r>
+            <a:r>
+              <a:rPr lang="en-US" dirty="0" err="1"/>
+              <a:t>busca</a:t>
+            </a:r>
+            <a:r>
+              <a:rPr lang="en-US" dirty="0"/>
+              <a:t> local </a:t>
+            </a:r>
+            <a:r>
+              <a:rPr lang="en-US" dirty="0" err="1"/>
+              <a:t>iterada</a:t>
+            </a:r>
+            <a:r>
+              <a:rPr lang="en-US" dirty="0"/>
+              <a:t>.</a:t>
             </a:r>
           </a:p>
         </p:txBody>
@@ -6024,7 +7424,7 @@
     </p:spTree>
     <p:extLst>
       <p:ext uri="{BB962C8B-B14F-4D97-AF65-F5344CB8AC3E}">
-        <p14:creationId xmlns:p14="http://schemas.microsoft.com/office/powerpoint/2010/main" val="2173090979"/>
+        <p14:creationId xmlns:p14="http://schemas.microsoft.com/office/powerpoint/2010/main" val="1768694020"/>
       </p:ext>
     </p:extLst>
   </p:cSld>
@@ -6034,7 +7434,7 @@
 </p:sld>
 </file>
 
-<file path=ppt/slides/slide9.xml><?xml version="1.0" encoding="utf-8"?>
+<file path=ppt/slides/slide5.xml><?xml version="1.0" encoding="utf-8"?>
 <p:sld xmlns:a="http://schemas.openxmlformats.org/drawingml/2006/main" xmlns:r="http://schemas.openxmlformats.org/officeDocument/2006/relationships" xmlns:p="http://schemas.openxmlformats.org/presentationml/2006/main">
   <p:cSld>
     <p:spTree>
@@ -6236,10 +7636,106 @@
       </p:grpSp>
       <p:sp>
         <p:nvSpPr>
-          <p:cNvPr id="2" name="Title 1">
-            <a:extLst>
-              <a:ext uri="{FF2B5EF4-FFF2-40B4-BE49-F238E27FC236}">
-                <a16:creationId xmlns:a16="http://schemas.microsoft.com/office/drawing/2014/main" id="{43D6345F-DDA8-41BD-9F51-4947FE7D4705}"/>
+          <p:cNvPr id="7" name="Content Placeholder 2">
+            <a:extLst>
+              <a:ext uri="{FF2B5EF4-FFF2-40B4-BE49-F238E27FC236}">
+                <a16:creationId xmlns:a16="http://schemas.microsoft.com/office/drawing/2014/main" id="{5A1070A9-0C16-43AA-8DE1-35D36228A733}"/>
+              </a:ext>
+            </a:extLst>
+          </p:cNvPr>
+          <p:cNvSpPr>
+            <a:spLocks noGrp="1"/>
+          </p:cNvSpPr>
+          <p:nvPr>
+            <p:ph idx="1"/>
+          </p:nvPr>
+        </p:nvSpPr>
+        <p:spPr>
+          <a:xfrm>
+            <a:off x="838200" y="1825624"/>
+            <a:ext cx="10515600" cy="4943475"/>
+          </a:xfrm>
+        </p:spPr>
+        <p:txBody>
+          <a:bodyPr/>
+          <a:lstStyle/>
+          <a:p>
+            <a:pPr marL="0" indent="0">
+              <a:buNone/>
+            </a:pPr>
+            <a:r>
+              <a:rPr lang="pt-BR" dirty="0"/>
+              <a:t>Ordenação inicial das tarefas de acordo com 4 variantes:</a:t>
+            </a:r>
+          </a:p>
+          <a:p>
+            <a:r>
+              <a:rPr lang="pt-BR" dirty="0"/>
+              <a:t>KK: ordenação em ordem decrescente de </a:t>
+            </a:r>
+          </a:p>
+          <a:p>
+            <a:pPr marL="0" indent="0">
+              <a:buNone/>
+            </a:pPr>
+            <a:r>
+              <a:rPr lang="pt-BR" dirty="0"/>
+              <a:t>sendo:</a:t>
+            </a:r>
+          </a:p>
+          <a:p>
+            <a:pPr marL="0" indent="0">
+              <a:buNone/>
+            </a:pPr>
+            <a:endParaRPr lang="pt-BR" dirty="0"/>
+          </a:p>
+          <a:p>
+            <a:r>
+              <a:rPr lang="pt-BR" dirty="0"/>
+              <a:t>LPT: ordenação em ordem decrescente de </a:t>
+            </a:r>
+          </a:p>
+          <a:p>
+            <a:r>
+              <a:rPr lang="pt-BR" dirty="0"/>
+              <a:t>NM: ordenação em ordem decrescente de</a:t>
+            </a:r>
+          </a:p>
+          <a:p>
+            <a:pPr marL="0" indent="0">
+              <a:buNone/>
+            </a:pPr>
+            <a:r>
+              <a:rPr lang="pt-BR" dirty="0"/>
+              <a:t>sendo </a:t>
+            </a:r>
+            <a:r>
+              <a:rPr lang="pt-BR" dirty="0" err="1"/>
+              <a:t>BT</a:t>
+            </a:r>
+            <a:r>
+              <a:rPr lang="pt-BR" baseline="-25000" dirty="0" err="1"/>
+              <a:t>hi</a:t>
+            </a:r>
+            <a:r>
+              <a:rPr lang="pt-BR" dirty="0"/>
+              <a:t>  o limite inferior do tempo de espera entre o término da tarefa i para o início da tarefa h em todas as máquinas consideradas</a:t>
+            </a:r>
+          </a:p>
+          <a:p>
+            <a:r>
+              <a:rPr lang="pt-BR" dirty="0"/>
+              <a:t>RA: uma sequência inicial é gerada randomicamente</a:t>
+            </a:r>
+          </a:p>
+        </p:txBody>
+      </p:sp>
+      <p:sp>
+        <p:nvSpPr>
+          <p:cNvPr id="11" name="Title 1">
+            <a:extLst>
+              <a:ext uri="{FF2B5EF4-FFF2-40B4-BE49-F238E27FC236}">
+                <a16:creationId xmlns:a16="http://schemas.microsoft.com/office/drawing/2014/main" id="{EC0D26A2-49C6-4DEB-8DC0-D259E0D6E1D1}"/>
               </a:ext>
             </a:extLst>
           </p:cNvPr>
@@ -6250,22 +7746,2106 @@
             <p:ph type="title"/>
           </p:nvPr>
         </p:nvSpPr>
-        <p:spPr/>
+        <p:spPr>
+          <a:xfrm>
+            <a:off x="838200" y="365125"/>
+            <a:ext cx="10515600" cy="1325563"/>
+          </a:xfrm>
+        </p:spPr>
         <p:txBody>
           <a:bodyPr/>
           <a:lstStyle/>
           <a:p>
             <a:r>
               <a:rPr lang="pt-BR" dirty="0"/>
-              <a:t>Conclusão</a:t>
-            </a:r>
-          </a:p>
-        </p:txBody>
-      </p:sp>
+              <a:t>Procedimento da Heurística – 1º Passo</a:t>
+            </a:r>
+          </a:p>
+        </p:txBody>
+      </p:sp>
+      <p:pic>
+        <p:nvPicPr>
+          <p:cNvPr id="6" name="Picture 5">
+            <a:extLst>
+              <a:ext uri="{FF2B5EF4-FFF2-40B4-BE49-F238E27FC236}">
+                <a16:creationId xmlns:a16="http://schemas.microsoft.com/office/drawing/2014/main" id="{DBC66489-7DB0-45BC-9C62-0AD1F7A7F7B7}"/>
+              </a:ext>
+            </a:extLst>
+          </p:cNvPr>
+          <p:cNvPicPr>
+            <a:picLocks noChangeAspect="1"/>
+          </p:cNvPicPr>
+          <p:nvPr/>
+        </p:nvPicPr>
+        <p:blipFill rotWithShape="1">
+          <a:blip r:embed="rId2"/>
+          <a:srcRect t="13361" b="10982"/>
+          <a:stretch/>
+        </p:blipFill>
+        <p:spPr>
+          <a:xfrm>
+            <a:off x="7319413" y="3901556"/>
+            <a:ext cx="2116136" cy="445156"/>
+          </a:xfrm>
+          <a:prstGeom prst="rect">
+            <a:avLst/>
+          </a:prstGeom>
+        </p:spPr>
+      </p:pic>
+      <p:pic>
+        <p:nvPicPr>
+          <p:cNvPr id="9" name="Picture 8">
+            <a:extLst>
+              <a:ext uri="{FF2B5EF4-FFF2-40B4-BE49-F238E27FC236}">
+                <a16:creationId xmlns:a16="http://schemas.microsoft.com/office/drawing/2014/main" id="{5775D6D0-BFC9-4CDA-9C22-8ED7C8B8239E}"/>
+              </a:ext>
+            </a:extLst>
+          </p:cNvPr>
+          <p:cNvPicPr>
+            <a:picLocks noChangeAspect="1"/>
+          </p:cNvPicPr>
+          <p:nvPr/>
+        </p:nvPicPr>
+        <p:blipFill rotWithShape="1">
+          <a:blip r:embed="rId3"/>
+          <a:srcRect t="12195" b="1"/>
+          <a:stretch/>
+        </p:blipFill>
+        <p:spPr>
+          <a:xfrm>
+            <a:off x="7345918" y="4396643"/>
+            <a:ext cx="3149804" cy="453652"/>
+          </a:xfrm>
+          <a:prstGeom prst="rect">
+            <a:avLst/>
+          </a:prstGeom>
+        </p:spPr>
+      </p:pic>
+      <p:pic>
+        <p:nvPicPr>
+          <p:cNvPr id="21" name="Picture 20">
+            <a:extLst>
+              <a:ext uri="{FF2B5EF4-FFF2-40B4-BE49-F238E27FC236}">
+                <a16:creationId xmlns:a16="http://schemas.microsoft.com/office/drawing/2014/main" id="{2665EDC6-4DAF-4454-9C55-87F78551E7AD}"/>
+              </a:ext>
+            </a:extLst>
+          </p:cNvPr>
+          <p:cNvPicPr>
+            <a:picLocks noChangeAspect="1"/>
+          </p:cNvPicPr>
+          <p:nvPr/>
+        </p:nvPicPr>
+        <p:blipFill rotWithShape="1">
+          <a:blip r:embed="rId4"/>
+          <a:srcRect t="5314" b="-1"/>
+          <a:stretch/>
+        </p:blipFill>
+        <p:spPr>
+          <a:xfrm>
+            <a:off x="2933590" y="3397249"/>
+            <a:ext cx="4686954" cy="351789"/>
+          </a:xfrm>
+          <a:prstGeom prst="rect">
+            <a:avLst/>
+          </a:prstGeom>
+        </p:spPr>
+      </p:pic>
+      <p:grpSp>
+        <p:nvGrpSpPr>
+          <p:cNvPr id="23" name="Group 22">
+            <a:extLst>
+              <a:ext uri="{FF2B5EF4-FFF2-40B4-BE49-F238E27FC236}">
+                <a16:creationId xmlns:a16="http://schemas.microsoft.com/office/drawing/2014/main" id="{E8E45C5A-2B36-4C13-8DD3-7FF4076AF903}"/>
+              </a:ext>
+            </a:extLst>
+          </p:cNvPr>
+          <p:cNvGrpSpPr/>
+          <p:nvPr/>
+        </p:nvGrpSpPr>
+        <p:grpSpPr>
+          <a:xfrm>
+            <a:off x="2951758" y="2863263"/>
+            <a:ext cx="4668786" cy="428500"/>
+            <a:chOff x="1402358" y="2966772"/>
+            <a:chExt cx="4668786" cy="428500"/>
+          </a:xfrm>
+        </p:grpSpPr>
+        <p:pic>
+          <p:nvPicPr>
+            <p:cNvPr id="19" name="Picture 18">
+              <a:extLst>
+                <a:ext uri="{FF2B5EF4-FFF2-40B4-BE49-F238E27FC236}">
+                  <a16:creationId xmlns:a16="http://schemas.microsoft.com/office/drawing/2014/main" id="{6FCE5EE4-7A5C-4747-BAD3-90E47B5269D0}"/>
+                </a:ext>
+              </a:extLst>
+            </p:cNvPr>
+            <p:cNvPicPr>
+              <a:picLocks noChangeAspect="1"/>
+            </p:cNvPicPr>
+            <p:nvPr/>
+          </p:nvPicPr>
+          <p:blipFill>
+            <a:blip r:embed="rId5"/>
+            <a:stretch>
+              <a:fillRect/>
+            </a:stretch>
+          </p:blipFill>
+          <p:spPr>
+            <a:xfrm>
+              <a:off x="1402358" y="2966772"/>
+              <a:ext cx="4324954" cy="419158"/>
+            </a:xfrm>
+            <a:prstGeom prst="rect">
+              <a:avLst/>
+            </a:prstGeom>
+          </p:spPr>
+        </p:pic>
+        <p:pic>
+          <p:nvPicPr>
+            <p:cNvPr id="22" name="Picture 21">
+              <a:extLst>
+                <a:ext uri="{FF2B5EF4-FFF2-40B4-BE49-F238E27FC236}">
+                  <a16:creationId xmlns:a16="http://schemas.microsoft.com/office/drawing/2014/main" id="{CFE985A0-BCEF-4A3F-87C7-9D6DE74A63AA}"/>
+                </a:ext>
+              </a:extLst>
+            </p:cNvPr>
+            <p:cNvPicPr>
+              <a:picLocks noChangeAspect="1"/>
+            </p:cNvPicPr>
+            <p:nvPr/>
+          </p:nvPicPr>
+          <p:blipFill rotWithShape="1">
+            <a:blip r:embed="rId4"/>
+            <a:srcRect l="92827" t="-504" b="-1"/>
+            <a:stretch/>
+          </p:blipFill>
+          <p:spPr>
+            <a:xfrm>
+              <a:off x="5734932" y="3021865"/>
+              <a:ext cx="336212" cy="373407"/>
+            </a:xfrm>
+            <a:prstGeom prst="rect">
+              <a:avLst/>
+            </a:prstGeom>
+          </p:spPr>
+        </p:pic>
+      </p:grpSp>
+      <p:pic>
+        <p:nvPicPr>
+          <p:cNvPr id="25" name="Picture 24">
+            <a:extLst>
+              <a:ext uri="{FF2B5EF4-FFF2-40B4-BE49-F238E27FC236}">
+                <a16:creationId xmlns:a16="http://schemas.microsoft.com/office/drawing/2014/main" id="{5252A0A2-41CA-4913-B0A2-28D032D5ADEF}"/>
+              </a:ext>
+            </a:extLst>
+          </p:cNvPr>
+          <p:cNvPicPr>
+            <a:picLocks noChangeAspect="1"/>
+          </p:cNvPicPr>
+          <p:nvPr/>
+        </p:nvPicPr>
+        <p:blipFill>
+          <a:blip r:embed="rId6"/>
+          <a:stretch>
+            <a:fillRect/>
+          </a:stretch>
+        </p:blipFill>
+        <p:spPr>
+          <a:xfrm>
+            <a:off x="7199068" y="2389952"/>
+            <a:ext cx="1995067" cy="369872"/>
+          </a:xfrm>
+          <a:prstGeom prst="rect">
+            <a:avLst/>
+          </a:prstGeom>
+        </p:spPr>
+      </p:pic>
     </p:spTree>
     <p:extLst>
       <p:ext uri="{BB962C8B-B14F-4D97-AF65-F5344CB8AC3E}">
-        <p14:creationId xmlns:p14="http://schemas.microsoft.com/office/powerpoint/2010/main" val="3496479770"/>
+        <p14:creationId xmlns:p14="http://schemas.microsoft.com/office/powerpoint/2010/main" val="4092637820"/>
+      </p:ext>
+    </p:extLst>
+  </p:cSld>
+  <p:clrMapOvr>
+    <a:masterClrMapping/>
+  </p:clrMapOvr>
+</p:sld>
+</file>
+
+<file path=ppt/slides/slide6.xml><?xml version="1.0" encoding="utf-8"?>
+<p:sld xmlns:a="http://schemas.openxmlformats.org/drawingml/2006/main" xmlns:r="http://schemas.openxmlformats.org/officeDocument/2006/relationships" xmlns:p="http://schemas.openxmlformats.org/presentationml/2006/main">
+  <p:cSld>
+    <p:spTree>
+      <p:nvGrpSpPr>
+        <p:cNvPr id="1" name=""/>
+        <p:cNvGrpSpPr/>
+        <p:nvPr/>
+      </p:nvGrpSpPr>
+      <p:grpSpPr>
+        <a:xfrm>
+          <a:off x="0" y="0"/>
+          <a:ext cx="0" cy="0"/>
+          <a:chOff x="0" y="0"/>
+          <a:chExt cx="0" cy="0"/>
+        </a:xfrm>
+      </p:grpSpPr>
+      <p:grpSp>
+        <p:nvGrpSpPr>
+          <p:cNvPr id="15" name="Group 14">
+            <a:extLst>
+              <a:ext uri="{FF2B5EF4-FFF2-40B4-BE49-F238E27FC236}">
+                <a16:creationId xmlns:a16="http://schemas.microsoft.com/office/drawing/2014/main" id="{09A37A38-8CBA-4EE5-89B1-CBDB2D0A6052}"/>
+              </a:ext>
+            </a:extLst>
+          </p:cNvPr>
+          <p:cNvGrpSpPr/>
+          <p:nvPr/>
+        </p:nvGrpSpPr>
+        <p:grpSpPr>
+          <a:xfrm>
+            <a:off x="64602" y="230187"/>
+            <a:ext cx="12127398" cy="1068526"/>
+            <a:chOff x="64602" y="230187"/>
+            <a:chExt cx="12127398" cy="1068526"/>
+          </a:xfrm>
+        </p:grpSpPr>
+        <p:sp>
+          <p:nvSpPr>
+            <p:cNvPr id="16" name="Rectangle 15">
+              <a:extLst>
+                <a:ext uri="{FF2B5EF4-FFF2-40B4-BE49-F238E27FC236}">
+                  <a16:creationId xmlns:a16="http://schemas.microsoft.com/office/drawing/2014/main" id="{99726E38-6374-4D35-8FDD-A2111B222BA4}"/>
+                </a:ext>
+              </a:extLst>
+            </p:cNvPr>
+            <p:cNvSpPr/>
+            <p:nvPr/>
+          </p:nvSpPr>
+          <p:spPr>
+            <a:xfrm>
+              <a:off x="556589" y="230188"/>
+              <a:ext cx="11635411" cy="1068525"/>
+            </a:xfrm>
+            <a:prstGeom prst="rect">
+              <a:avLst/>
+            </a:prstGeom>
+            <a:solidFill>
+              <a:schemeClr val="bg1">
+                <a:lumMod val="95000"/>
+              </a:schemeClr>
+            </a:solidFill>
+            <a:ln>
+              <a:noFill/>
+            </a:ln>
+          </p:spPr>
+          <p:style>
+            <a:lnRef idx="2">
+              <a:schemeClr val="accent1">
+                <a:shade val="50000"/>
+              </a:schemeClr>
+            </a:lnRef>
+            <a:fillRef idx="1">
+              <a:schemeClr val="accent1"/>
+            </a:fillRef>
+            <a:effectRef idx="0">
+              <a:schemeClr val="accent1"/>
+            </a:effectRef>
+            <a:fontRef idx="minor">
+              <a:schemeClr val="lt1"/>
+            </a:fontRef>
+          </p:style>
+          <p:txBody>
+            <a:bodyPr rtlCol="0" anchor="ctr"/>
+            <a:lstStyle/>
+            <a:p>
+              <a:pPr algn="ctr"/>
+              <a:endParaRPr lang="en-US"/>
+            </a:p>
+          </p:txBody>
+        </p:sp>
+        <p:sp>
+          <p:nvSpPr>
+            <p:cNvPr id="17" name="Rectangle 16">
+              <a:extLst>
+                <a:ext uri="{FF2B5EF4-FFF2-40B4-BE49-F238E27FC236}">
+                  <a16:creationId xmlns:a16="http://schemas.microsoft.com/office/drawing/2014/main" id="{809BA0C8-8CA3-43A1-85B7-57AA1DEC97D8}"/>
+                </a:ext>
+              </a:extLst>
+            </p:cNvPr>
+            <p:cNvSpPr/>
+            <p:nvPr/>
+          </p:nvSpPr>
+          <p:spPr>
+            <a:xfrm>
+              <a:off x="304799" y="230188"/>
+              <a:ext cx="172280" cy="1068525"/>
+            </a:xfrm>
+            <a:prstGeom prst="rect">
+              <a:avLst/>
+            </a:prstGeom>
+            <a:solidFill>
+              <a:schemeClr val="bg1">
+                <a:lumMod val="85000"/>
+              </a:schemeClr>
+            </a:solidFill>
+            <a:ln>
+              <a:noFill/>
+            </a:ln>
+          </p:spPr>
+          <p:style>
+            <a:lnRef idx="2">
+              <a:schemeClr val="accent1">
+                <a:shade val="50000"/>
+              </a:schemeClr>
+            </a:lnRef>
+            <a:fillRef idx="1">
+              <a:schemeClr val="accent1"/>
+            </a:fillRef>
+            <a:effectRef idx="0">
+              <a:schemeClr val="accent1"/>
+            </a:effectRef>
+            <a:fontRef idx="minor">
+              <a:schemeClr val="lt1"/>
+            </a:fontRef>
+          </p:style>
+          <p:txBody>
+            <a:bodyPr rtlCol="0" anchor="ctr"/>
+            <a:lstStyle/>
+            <a:p>
+              <a:pPr algn="ctr"/>
+              <a:endParaRPr lang="en-US"/>
+            </a:p>
+          </p:txBody>
+        </p:sp>
+        <p:sp>
+          <p:nvSpPr>
+            <p:cNvPr id="18" name="Rectangle 17">
+              <a:extLst>
+                <a:ext uri="{FF2B5EF4-FFF2-40B4-BE49-F238E27FC236}">
+                  <a16:creationId xmlns:a16="http://schemas.microsoft.com/office/drawing/2014/main" id="{1438C028-A8B0-413B-BFFC-1C8C43493BF8}"/>
+                </a:ext>
+              </a:extLst>
+            </p:cNvPr>
+            <p:cNvSpPr/>
+            <p:nvPr/>
+          </p:nvSpPr>
+          <p:spPr>
+            <a:xfrm>
+              <a:off x="64602" y="230187"/>
+              <a:ext cx="172280" cy="1068525"/>
+            </a:xfrm>
+            <a:prstGeom prst="rect">
+              <a:avLst/>
+            </a:prstGeom>
+            <a:solidFill>
+              <a:schemeClr val="bg1">
+                <a:lumMod val="75000"/>
+              </a:schemeClr>
+            </a:solidFill>
+            <a:ln>
+              <a:noFill/>
+            </a:ln>
+          </p:spPr>
+          <p:style>
+            <a:lnRef idx="2">
+              <a:schemeClr val="accent1">
+                <a:shade val="50000"/>
+              </a:schemeClr>
+            </a:lnRef>
+            <a:fillRef idx="1">
+              <a:schemeClr val="accent1"/>
+            </a:fillRef>
+            <a:effectRef idx="0">
+              <a:schemeClr val="accent1"/>
+            </a:effectRef>
+            <a:fontRef idx="minor">
+              <a:schemeClr val="lt1"/>
+            </a:fontRef>
+          </p:style>
+          <p:txBody>
+            <a:bodyPr rtlCol="0" anchor="ctr"/>
+            <a:lstStyle/>
+            <a:p>
+              <a:pPr algn="ctr"/>
+              <a:endParaRPr lang="en-US"/>
+            </a:p>
+          </p:txBody>
+        </p:sp>
+      </p:grpSp>
+      <p:sp>
+        <p:nvSpPr>
+          <p:cNvPr id="7" name="Content Placeholder 2">
+            <a:extLst>
+              <a:ext uri="{FF2B5EF4-FFF2-40B4-BE49-F238E27FC236}">
+                <a16:creationId xmlns:a16="http://schemas.microsoft.com/office/drawing/2014/main" id="{5A1070A9-0C16-43AA-8DE1-35D36228A733}"/>
+              </a:ext>
+            </a:extLst>
+          </p:cNvPr>
+          <p:cNvSpPr>
+            <a:spLocks noGrp="1"/>
+          </p:cNvSpPr>
+          <p:nvPr>
+            <p:ph idx="1"/>
+          </p:nvPr>
+        </p:nvSpPr>
+        <p:spPr>
+          <a:xfrm>
+            <a:off x="838200" y="1825624"/>
+            <a:ext cx="10515600" cy="4943475"/>
+          </a:xfrm>
+        </p:spPr>
+        <p:txBody>
+          <a:bodyPr/>
+          <a:lstStyle/>
+          <a:p>
+            <a:pPr marL="0" indent="0">
+              <a:buNone/>
+            </a:pPr>
+            <a:endParaRPr lang="pt-BR" dirty="0"/>
+          </a:p>
+        </p:txBody>
+      </p:sp>
+      <p:sp>
+        <p:nvSpPr>
+          <p:cNvPr id="11" name="Title 1">
+            <a:extLst>
+              <a:ext uri="{FF2B5EF4-FFF2-40B4-BE49-F238E27FC236}">
+                <a16:creationId xmlns:a16="http://schemas.microsoft.com/office/drawing/2014/main" id="{EC0D26A2-49C6-4DEB-8DC0-D259E0D6E1D1}"/>
+              </a:ext>
+            </a:extLst>
+          </p:cNvPr>
+          <p:cNvSpPr>
+            <a:spLocks noGrp="1"/>
+          </p:cNvSpPr>
+          <p:nvPr>
+            <p:ph type="title"/>
+          </p:nvPr>
+        </p:nvSpPr>
+        <p:spPr>
+          <a:xfrm>
+            <a:off x="838200" y="365125"/>
+            <a:ext cx="10515600" cy="1325563"/>
+          </a:xfrm>
+        </p:spPr>
+        <p:txBody>
+          <a:bodyPr/>
+          <a:lstStyle/>
+          <a:p>
+            <a:r>
+              <a:rPr lang="pt-BR" dirty="0"/>
+              <a:t>Procedimento da Heurística – 2º Passo</a:t>
+            </a:r>
+          </a:p>
+        </p:txBody>
+      </p:sp>
+    </p:spTree>
+    <p:extLst>
+      <p:ext uri="{BB962C8B-B14F-4D97-AF65-F5344CB8AC3E}">
+        <p14:creationId xmlns:p14="http://schemas.microsoft.com/office/powerpoint/2010/main" val="2937501488"/>
+      </p:ext>
+    </p:extLst>
+  </p:cSld>
+  <p:clrMapOvr>
+    <a:masterClrMapping/>
+  </p:clrMapOvr>
+</p:sld>
+</file>
+
+<file path=ppt/slides/slide7.xml><?xml version="1.0" encoding="utf-8"?>
+<p:sld xmlns:a="http://schemas.openxmlformats.org/drawingml/2006/main" xmlns:r="http://schemas.openxmlformats.org/officeDocument/2006/relationships" xmlns:p="http://schemas.openxmlformats.org/presentationml/2006/main">
+  <p:cSld>
+    <p:spTree>
+      <p:nvGrpSpPr>
+        <p:cNvPr id="1" name=""/>
+        <p:cNvGrpSpPr/>
+        <p:nvPr/>
+      </p:nvGrpSpPr>
+      <p:grpSpPr>
+        <a:xfrm>
+          <a:off x="0" y="0"/>
+          <a:ext cx="0" cy="0"/>
+          <a:chOff x="0" y="0"/>
+          <a:chExt cx="0" cy="0"/>
+        </a:xfrm>
+      </p:grpSpPr>
+      <p:grpSp>
+        <p:nvGrpSpPr>
+          <p:cNvPr id="15" name="Group 14">
+            <a:extLst>
+              <a:ext uri="{FF2B5EF4-FFF2-40B4-BE49-F238E27FC236}">
+                <a16:creationId xmlns:a16="http://schemas.microsoft.com/office/drawing/2014/main" id="{09A37A38-8CBA-4EE5-89B1-CBDB2D0A6052}"/>
+              </a:ext>
+            </a:extLst>
+          </p:cNvPr>
+          <p:cNvGrpSpPr/>
+          <p:nvPr/>
+        </p:nvGrpSpPr>
+        <p:grpSpPr>
+          <a:xfrm>
+            <a:off x="64602" y="230187"/>
+            <a:ext cx="12127398" cy="1068526"/>
+            <a:chOff x="64602" y="230187"/>
+            <a:chExt cx="12127398" cy="1068526"/>
+          </a:xfrm>
+        </p:grpSpPr>
+        <p:sp>
+          <p:nvSpPr>
+            <p:cNvPr id="16" name="Rectangle 15">
+              <a:extLst>
+                <a:ext uri="{FF2B5EF4-FFF2-40B4-BE49-F238E27FC236}">
+                  <a16:creationId xmlns:a16="http://schemas.microsoft.com/office/drawing/2014/main" id="{99726E38-6374-4D35-8FDD-A2111B222BA4}"/>
+                </a:ext>
+              </a:extLst>
+            </p:cNvPr>
+            <p:cNvSpPr/>
+            <p:nvPr/>
+          </p:nvSpPr>
+          <p:spPr>
+            <a:xfrm>
+              <a:off x="556589" y="230188"/>
+              <a:ext cx="11635411" cy="1068525"/>
+            </a:xfrm>
+            <a:prstGeom prst="rect">
+              <a:avLst/>
+            </a:prstGeom>
+            <a:solidFill>
+              <a:schemeClr val="bg1">
+                <a:lumMod val="95000"/>
+              </a:schemeClr>
+            </a:solidFill>
+            <a:ln>
+              <a:noFill/>
+            </a:ln>
+          </p:spPr>
+          <p:style>
+            <a:lnRef idx="2">
+              <a:schemeClr val="accent1">
+                <a:shade val="50000"/>
+              </a:schemeClr>
+            </a:lnRef>
+            <a:fillRef idx="1">
+              <a:schemeClr val="accent1"/>
+            </a:fillRef>
+            <a:effectRef idx="0">
+              <a:schemeClr val="accent1"/>
+            </a:effectRef>
+            <a:fontRef idx="minor">
+              <a:schemeClr val="lt1"/>
+            </a:fontRef>
+          </p:style>
+          <p:txBody>
+            <a:bodyPr rtlCol="0" anchor="ctr"/>
+            <a:lstStyle/>
+            <a:p>
+              <a:pPr algn="ctr"/>
+              <a:endParaRPr lang="en-US"/>
+            </a:p>
+          </p:txBody>
+        </p:sp>
+        <p:sp>
+          <p:nvSpPr>
+            <p:cNvPr id="17" name="Rectangle 16">
+              <a:extLst>
+                <a:ext uri="{FF2B5EF4-FFF2-40B4-BE49-F238E27FC236}">
+                  <a16:creationId xmlns:a16="http://schemas.microsoft.com/office/drawing/2014/main" id="{809BA0C8-8CA3-43A1-85B7-57AA1DEC97D8}"/>
+                </a:ext>
+              </a:extLst>
+            </p:cNvPr>
+            <p:cNvSpPr/>
+            <p:nvPr/>
+          </p:nvSpPr>
+          <p:spPr>
+            <a:xfrm>
+              <a:off x="304799" y="230188"/>
+              <a:ext cx="172280" cy="1068525"/>
+            </a:xfrm>
+            <a:prstGeom prst="rect">
+              <a:avLst/>
+            </a:prstGeom>
+            <a:solidFill>
+              <a:schemeClr val="bg1">
+                <a:lumMod val="85000"/>
+              </a:schemeClr>
+            </a:solidFill>
+            <a:ln>
+              <a:noFill/>
+            </a:ln>
+          </p:spPr>
+          <p:style>
+            <a:lnRef idx="2">
+              <a:schemeClr val="accent1">
+                <a:shade val="50000"/>
+              </a:schemeClr>
+            </a:lnRef>
+            <a:fillRef idx="1">
+              <a:schemeClr val="accent1"/>
+            </a:fillRef>
+            <a:effectRef idx="0">
+              <a:schemeClr val="accent1"/>
+            </a:effectRef>
+            <a:fontRef idx="minor">
+              <a:schemeClr val="lt1"/>
+            </a:fontRef>
+          </p:style>
+          <p:txBody>
+            <a:bodyPr rtlCol="0" anchor="ctr"/>
+            <a:lstStyle/>
+            <a:p>
+              <a:pPr algn="ctr"/>
+              <a:endParaRPr lang="en-US"/>
+            </a:p>
+          </p:txBody>
+        </p:sp>
+        <p:sp>
+          <p:nvSpPr>
+            <p:cNvPr id="18" name="Rectangle 17">
+              <a:extLst>
+                <a:ext uri="{FF2B5EF4-FFF2-40B4-BE49-F238E27FC236}">
+                  <a16:creationId xmlns:a16="http://schemas.microsoft.com/office/drawing/2014/main" id="{1438C028-A8B0-413B-BFFC-1C8C43493BF8}"/>
+                </a:ext>
+              </a:extLst>
+            </p:cNvPr>
+            <p:cNvSpPr/>
+            <p:nvPr/>
+          </p:nvSpPr>
+          <p:spPr>
+            <a:xfrm>
+              <a:off x="64602" y="230187"/>
+              <a:ext cx="172280" cy="1068525"/>
+            </a:xfrm>
+            <a:prstGeom prst="rect">
+              <a:avLst/>
+            </a:prstGeom>
+            <a:solidFill>
+              <a:schemeClr val="bg1">
+                <a:lumMod val="75000"/>
+              </a:schemeClr>
+            </a:solidFill>
+            <a:ln>
+              <a:noFill/>
+            </a:ln>
+          </p:spPr>
+          <p:style>
+            <a:lnRef idx="2">
+              <a:schemeClr val="accent1">
+                <a:shade val="50000"/>
+              </a:schemeClr>
+            </a:lnRef>
+            <a:fillRef idx="1">
+              <a:schemeClr val="accent1"/>
+            </a:fillRef>
+            <a:effectRef idx="0">
+              <a:schemeClr val="accent1"/>
+            </a:effectRef>
+            <a:fontRef idx="minor">
+              <a:schemeClr val="lt1"/>
+            </a:fontRef>
+          </p:style>
+          <p:txBody>
+            <a:bodyPr rtlCol="0" anchor="ctr"/>
+            <a:lstStyle/>
+            <a:p>
+              <a:pPr algn="ctr"/>
+              <a:endParaRPr lang="en-US"/>
+            </a:p>
+          </p:txBody>
+        </p:sp>
+      </p:grpSp>
+      <p:sp>
+        <p:nvSpPr>
+          <p:cNvPr id="7" name="Content Placeholder 2">
+            <a:extLst>
+              <a:ext uri="{FF2B5EF4-FFF2-40B4-BE49-F238E27FC236}">
+                <a16:creationId xmlns:a16="http://schemas.microsoft.com/office/drawing/2014/main" id="{5A1070A9-0C16-43AA-8DE1-35D36228A733}"/>
+              </a:ext>
+            </a:extLst>
+          </p:cNvPr>
+          <p:cNvSpPr>
+            <a:spLocks noGrp="1"/>
+          </p:cNvSpPr>
+          <p:nvPr>
+            <p:ph idx="1"/>
+          </p:nvPr>
+        </p:nvSpPr>
+        <p:spPr>
+          <a:xfrm>
+            <a:off x="838200" y="1825624"/>
+            <a:ext cx="10756900" cy="4943475"/>
+          </a:xfrm>
+        </p:spPr>
+        <p:txBody>
+          <a:bodyPr/>
+          <a:lstStyle/>
+          <a:p>
+            <a:r>
+              <a:rPr lang="pt-BR" dirty="0"/>
+              <a:t>NEDA: Algoritmo de Descida Não Exaustivo</a:t>
+            </a:r>
+          </a:p>
+          <a:p>
+            <a:pPr marL="0" indent="0">
+              <a:buNone/>
+            </a:pPr>
+            <a:r>
+              <a:rPr lang="pt-BR" sz="2400" dirty="0"/>
+              <a:t>Tenta melhorar a solução (</a:t>
+            </a:r>
+            <a:r>
+              <a:rPr lang="el-GR" sz="2400" dirty="0"/>
+              <a:t>π</a:t>
+            </a:r>
+            <a:r>
+              <a:rPr lang="pt-BR" sz="2400" dirty="0"/>
+              <a:t>) trocando quaisquer duas posições na sequência. Pode gerar até n.(n-1)/2 vizinhos. Se uma nova permutação melhorar o valor da função objetivo, ela se torna a nova solução atual e o processo continua até que todas as posições tenham sido permutadas e a melhora já não está acontecendo. Neste procedimento, </a:t>
+            </a:r>
+            <a:r>
+              <a:rPr lang="pt-BR" sz="2400" b="1" dirty="0"/>
+              <a:t>a vizinhança é sempre explorada na mesma ordem</a:t>
+            </a:r>
+            <a:r>
+              <a:rPr lang="pt-BR" sz="2400" dirty="0"/>
+              <a:t>.</a:t>
+            </a:r>
+          </a:p>
+          <a:p>
+            <a:pPr marL="0" indent="0">
+              <a:buNone/>
+            </a:pPr>
+            <a:endParaRPr lang="pt-BR" sz="2400" dirty="0"/>
+          </a:p>
+        </p:txBody>
+      </p:sp>
+      <p:sp>
+        <p:nvSpPr>
+          <p:cNvPr id="11" name="Title 1">
+            <a:extLst>
+              <a:ext uri="{FF2B5EF4-FFF2-40B4-BE49-F238E27FC236}">
+                <a16:creationId xmlns:a16="http://schemas.microsoft.com/office/drawing/2014/main" id="{EC0D26A2-49C6-4DEB-8DC0-D259E0D6E1D1}"/>
+              </a:ext>
+            </a:extLst>
+          </p:cNvPr>
+          <p:cNvSpPr>
+            <a:spLocks noGrp="1"/>
+          </p:cNvSpPr>
+          <p:nvPr>
+            <p:ph type="title"/>
+          </p:nvPr>
+        </p:nvSpPr>
+        <p:spPr>
+          <a:xfrm>
+            <a:off x="838200" y="365125"/>
+            <a:ext cx="10515600" cy="1325563"/>
+          </a:xfrm>
+        </p:spPr>
+        <p:txBody>
+          <a:bodyPr/>
+          <a:lstStyle/>
+          <a:p>
+            <a:r>
+              <a:rPr lang="pt-BR" dirty="0"/>
+              <a:t>Procedimento da Heurística – 3º Passo</a:t>
+            </a:r>
+          </a:p>
+        </p:txBody>
+      </p:sp>
+      <p:pic>
+        <p:nvPicPr>
+          <p:cNvPr id="14" name="Picture 13">
+            <a:extLst>
+              <a:ext uri="{FF2B5EF4-FFF2-40B4-BE49-F238E27FC236}">
+                <a16:creationId xmlns:a16="http://schemas.microsoft.com/office/drawing/2014/main" id="{34A0390C-2304-4CE1-B896-26D492D96CD5}"/>
+              </a:ext>
+            </a:extLst>
+          </p:cNvPr>
+          <p:cNvPicPr>
+            <a:picLocks noChangeAspect="1"/>
+          </p:cNvPicPr>
+          <p:nvPr/>
+        </p:nvPicPr>
+        <p:blipFill>
+          <a:blip r:embed="rId2"/>
+          <a:stretch>
+            <a:fillRect/>
+          </a:stretch>
+        </p:blipFill>
+        <p:spPr>
+          <a:xfrm>
+            <a:off x="838200" y="4124293"/>
+            <a:ext cx="6186707" cy="2503519"/>
+          </a:xfrm>
+          <a:prstGeom prst="rect">
+            <a:avLst/>
+          </a:prstGeom>
+          <a:noFill/>
+        </p:spPr>
+      </p:pic>
+      <p:sp>
+        <p:nvSpPr>
+          <p:cNvPr id="5" name="TextBox 4">
+            <a:extLst>
+              <a:ext uri="{FF2B5EF4-FFF2-40B4-BE49-F238E27FC236}">
+                <a16:creationId xmlns:a16="http://schemas.microsoft.com/office/drawing/2014/main" id="{7CAA1771-A01A-48A2-9E13-EF049B9A3614}"/>
+              </a:ext>
+            </a:extLst>
+          </p:cNvPr>
+          <p:cNvSpPr txBox="1"/>
+          <p:nvPr/>
+        </p:nvSpPr>
+        <p:spPr>
+          <a:xfrm>
+            <a:off x="7354956" y="5991712"/>
+            <a:ext cx="1995739" cy="738664"/>
+          </a:xfrm>
+          <a:prstGeom prst="rect">
+            <a:avLst/>
+          </a:prstGeom>
+          <a:noFill/>
+        </p:spPr>
+        <p:txBody>
+          <a:bodyPr wrap="none" rtlCol="0">
+            <a:spAutoFit/>
+          </a:bodyPr>
+          <a:lstStyle/>
+          <a:p>
+            <a:pPr algn="ctr"/>
+            <a:r>
+              <a:rPr lang="pt-BR" dirty="0"/>
+              <a:t>Solução de partida:</a:t>
+            </a:r>
+          </a:p>
+          <a:p>
+            <a:pPr algn="ctr"/>
+            <a:r>
+              <a:rPr lang="pt-BR" sz="2400" b="1" dirty="0">
+                <a:solidFill>
+                  <a:srgbClr val="00B050"/>
+                </a:solidFill>
+              </a:rPr>
+              <a:t>15342</a:t>
+            </a:r>
+          </a:p>
+        </p:txBody>
+      </p:sp>
+      <p:sp>
+        <p:nvSpPr>
+          <p:cNvPr id="6" name="Rectangle 5">
+            <a:extLst>
+              <a:ext uri="{FF2B5EF4-FFF2-40B4-BE49-F238E27FC236}">
+                <a16:creationId xmlns:a16="http://schemas.microsoft.com/office/drawing/2014/main" id="{E464D0E8-638E-48CA-8C1D-0D8B94FD8CB8}"/>
+              </a:ext>
+            </a:extLst>
+          </p:cNvPr>
+          <p:cNvSpPr/>
+          <p:nvPr/>
+        </p:nvSpPr>
+        <p:spPr>
+          <a:xfrm>
+            <a:off x="5963478" y="6374296"/>
+            <a:ext cx="1113183" cy="253516"/>
+          </a:xfrm>
+          <a:prstGeom prst="rect">
+            <a:avLst/>
+          </a:prstGeom>
+          <a:noFill/>
+          <a:ln>
+            <a:solidFill>
+              <a:srgbClr val="00B050"/>
+            </a:solidFill>
+          </a:ln>
+        </p:spPr>
+        <p:style>
+          <a:lnRef idx="2">
+            <a:schemeClr val="accent1">
+              <a:shade val="50000"/>
+            </a:schemeClr>
+          </a:lnRef>
+          <a:fillRef idx="1">
+            <a:schemeClr val="accent1"/>
+          </a:fillRef>
+          <a:effectRef idx="0">
+            <a:schemeClr val="accent1"/>
+          </a:effectRef>
+          <a:fontRef idx="minor">
+            <a:schemeClr val="lt1"/>
+          </a:fontRef>
+        </p:style>
+        <p:txBody>
+          <a:bodyPr rtlCol="0" anchor="ctr"/>
+          <a:lstStyle/>
+          <a:p>
+            <a:pPr algn="ctr"/>
+            <a:endParaRPr lang="en-US"/>
+          </a:p>
+        </p:txBody>
+      </p:sp>
+    </p:spTree>
+    <p:extLst>
+      <p:ext uri="{BB962C8B-B14F-4D97-AF65-F5344CB8AC3E}">
+        <p14:creationId xmlns:p14="http://schemas.microsoft.com/office/powerpoint/2010/main" val="693004224"/>
+      </p:ext>
+    </p:extLst>
+  </p:cSld>
+  <p:clrMapOvr>
+    <a:masterClrMapping/>
+  </p:clrMapOvr>
+</p:sld>
+</file>
+
+<file path=ppt/slides/slide8.xml><?xml version="1.0" encoding="utf-8"?>
+<p:sld xmlns:a="http://schemas.openxmlformats.org/drawingml/2006/main" xmlns:r="http://schemas.openxmlformats.org/officeDocument/2006/relationships" xmlns:p="http://schemas.openxmlformats.org/presentationml/2006/main">
+  <p:cSld>
+    <p:spTree>
+      <p:nvGrpSpPr>
+        <p:cNvPr id="1" name=""/>
+        <p:cNvGrpSpPr/>
+        <p:nvPr/>
+      </p:nvGrpSpPr>
+      <p:grpSpPr>
+        <a:xfrm>
+          <a:off x="0" y="0"/>
+          <a:ext cx="0" cy="0"/>
+          <a:chOff x="0" y="0"/>
+          <a:chExt cx="0" cy="0"/>
+        </a:xfrm>
+      </p:grpSpPr>
+      <p:grpSp>
+        <p:nvGrpSpPr>
+          <p:cNvPr id="15" name="Group 14">
+            <a:extLst>
+              <a:ext uri="{FF2B5EF4-FFF2-40B4-BE49-F238E27FC236}">
+                <a16:creationId xmlns:a16="http://schemas.microsoft.com/office/drawing/2014/main" id="{09A37A38-8CBA-4EE5-89B1-CBDB2D0A6052}"/>
+              </a:ext>
+            </a:extLst>
+          </p:cNvPr>
+          <p:cNvGrpSpPr/>
+          <p:nvPr/>
+        </p:nvGrpSpPr>
+        <p:grpSpPr>
+          <a:xfrm>
+            <a:off x="64602" y="230187"/>
+            <a:ext cx="12127398" cy="1068526"/>
+            <a:chOff x="64602" y="230187"/>
+            <a:chExt cx="12127398" cy="1068526"/>
+          </a:xfrm>
+        </p:grpSpPr>
+        <p:sp>
+          <p:nvSpPr>
+            <p:cNvPr id="16" name="Rectangle 15">
+              <a:extLst>
+                <a:ext uri="{FF2B5EF4-FFF2-40B4-BE49-F238E27FC236}">
+                  <a16:creationId xmlns:a16="http://schemas.microsoft.com/office/drawing/2014/main" id="{99726E38-6374-4D35-8FDD-A2111B222BA4}"/>
+                </a:ext>
+              </a:extLst>
+            </p:cNvPr>
+            <p:cNvSpPr/>
+            <p:nvPr/>
+          </p:nvSpPr>
+          <p:spPr>
+            <a:xfrm>
+              <a:off x="556589" y="230188"/>
+              <a:ext cx="11635411" cy="1068525"/>
+            </a:xfrm>
+            <a:prstGeom prst="rect">
+              <a:avLst/>
+            </a:prstGeom>
+            <a:solidFill>
+              <a:schemeClr val="bg1">
+                <a:lumMod val="95000"/>
+              </a:schemeClr>
+            </a:solidFill>
+            <a:ln>
+              <a:noFill/>
+            </a:ln>
+          </p:spPr>
+          <p:style>
+            <a:lnRef idx="2">
+              <a:schemeClr val="accent1">
+                <a:shade val="50000"/>
+              </a:schemeClr>
+            </a:lnRef>
+            <a:fillRef idx="1">
+              <a:schemeClr val="accent1"/>
+            </a:fillRef>
+            <a:effectRef idx="0">
+              <a:schemeClr val="accent1"/>
+            </a:effectRef>
+            <a:fontRef idx="minor">
+              <a:schemeClr val="lt1"/>
+            </a:fontRef>
+          </p:style>
+          <p:txBody>
+            <a:bodyPr rtlCol="0" anchor="ctr"/>
+            <a:lstStyle/>
+            <a:p>
+              <a:pPr algn="ctr"/>
+              <a:endParaRPr lang="en-US"/>
+            </a:p>
+          </p:txBody>
+        </p:sp>
+        <p:sp>
+          <p:nvSpPr>
+            <p:cNvPr id="17" name="Rectangle 16">
+              <a:extLst>
+                <a:ext uri="{FF2B5EF4-FFF2-40B4-BE49-F238E27FC236}">
+                  <a16:creationId xmlns:a16="http://schemas.microsoft.com/office/drawing/2014/main" id="{809BA0C8-8CA3-43A1-85B7-57AA1DEC97D8}"/>
+                </a:ext>
+              </a:extLst>
+            </p:cNvPr>
+            <p:cNvSpPr/>
+            <p:nvPr/>
+          </p:nvSpPr>
+          <p:spPr>
+            <a:xfrm>
+              <a:off x="304799" y="230188"/>
+              <a:ext cx="172280" cy="1068525"/>
+            </a:xfrm>
+            <a:prstGeom prst="rect">
+              <a:avLst/>
+            </a:prstGeom>
+            <a:solidFill>
+              <a:schemeClr val="bg1">
+                <a:lumMod val="85000"/>
+              </a:schemeClr>
+            </a:solidFill>
+            <a:ln>
+              <a:noFill/>
+            </a:ln>
+          </p:spPr>
+          <p:style>
+            <a:lnRef idx="2">
+              <a:schemeClr val="accent1">
+                <a:shade val="50000"/>
+              </a:schemeClr>
+            </a:lnRef>
+            <a:fillRef idx="1">
+              <a:schemeClr val="accent1"/>
+            </a:fillRef>
+            <a:effectRef idx="0">
+              <a:schemeClr val="accent1"/>
+            </a:effectRef>
+            <a:fontRef idx="minor">
+              <a:schemeClr val="lt1"/>
+            </a:fontRef>
+          </p:style>
+          <p:txBody>
+            <a:bodyPr rtlCol="0" anchor="ctr"/>
+            <a:lstStyle/>
+            <a:p>
+              <a:pPr algn="ctr"/>
+              <a:endParaRPr lang="en-US"/>
+            </a:p>
+          </p:txBody>
+        </p:sp>
+        <p:sp>
+          <p:nvSpPr>
+            <p:cNvPr id="18" name="Rectangle 17">
+              <a:extLst>
+                <a:ext uri="{FF2B5EF4-FFF2-40B4-BE49-F238E27FC236}">
+                  <a16:creationId xmlns:a16="http://schemas.microsoft.com/office/drawing/2014/main" id="{1438C028-A8B0-413B-BFFC-1C8C43493BF8}"/>
+                </a:ext>
+              </a:extLst>
+            </p:cNvPr>
+            <p:cNvSpPr/>
+            <p:nvPr/>
+          </p:nvSpPr>
+          <p:spPr>
+            <a:xfrm>
+              <a:off x="64602" y="230187"/>
+              <a:ext cx="172280" cy="1068525"/>
+            </a:xfrm>
+            <a:prstGeom prst="rect">
+              <a:avLst/>
+            </a:prstGeom>
+            <a:solidFill>
+              <a:schemeClr val="bg1">
+                <a:lumMod val="75000"/>
+              </a:schemeClr>
+            </a:solidFill>
+            <a:ln>
+              <a:noFill/>
+            </a:ln>
+          </p:spPr>
+          <p:style>
+            <a:lnRef idx="2">
+              <a:schemeClr val="accent1">
+                <a:shade val="50000"/>
+              </a:schemeClr>
+            </a:lnRef>
+            <a:fillRef idx="1">
+              <a:schemeClr val="accent1"/>
+            </a:fillRef>
+            <a:effectRef idx="0">
+              <a:schemeClr val="accent1"/>
+            </a:effectRef>
+            <a:fontRef idx="minor">
+              <a:schemeClr val="lt1"/>
+            </a:fontRef>
+          </p:style>
+          <p:txBody>
+            <a:bodyPr rtlCol="0" anchor="ctr"/>
+            <a:lstStyle/>
+            <a:p>
+              <a:pPr algn="ctr"/>
+              <a:endParaRPr lang="en-US"/>
+            </a:p>
+          </p:txBody>
+        </p:sp>
+      </p:grpSp>
+      <p:sp>
+        <p:nvSpPr>
+          <p:cNvPr id="7" name="Content Placeholder 2">
+            <a:extLst>
+              <a:ext uri="{FF2B5EF4-FFF2-40B4-BE49-F238E27FC236}">
+                <a16:creationId xmlns:a16="http://schemas.microsoft.com/office/drawing/2014/main" id="{5A1070A9-0C16-43AA-8DE1-35D36228A733}"/>
+              </a:ext>
+            </a:extLst>
+          </p:cNvPr>
+          <p:cNvSpPr>
+            <a:spLocks noGrp="1"/>
+          </p:cNvSpPr>
+          <p:nvPr>
+            <p:ph idx="1"/>
+          </p:nvPr>
+        </p:nvSpPr>
+        <p:spPr>
+          <a:xfrm>
+            <a:off x="838200" y="1825624"/>
+            <a:ext cx="10756900" cy="4943475"/>
+          </a:xfrm>
+        </p:spPr>
+        <p:txBody>
+          <a:bodyPr/>
+          <a:lstStyle/>
+          <a:p>
+            <a:r>
+              <a:rPr lang="pt-BR" dirty="0"/>
+              <a:t>NEDA: Algoritmo de Descida Não Exaustivo</a:t>
+            </a:r>
+          </a:p>
+          <a:p>
+            <a:pPr marL="0" indent="0">
+              <a:buNone/>
+            </a:pPr>
+            <a:endParaRPr lang="pt-BR" sz="2400" dirty="0"/>
+          </a:p>
+        </p:txBody>
+      </p:sp>
+      <p:sp>
+        <p:nvSpPr>
+          <p:cNvPr id="11" name="Title 1">
+            <a:extLst>
+              <a:ext uri="{FF2B5EF4-FFF2-40B4-BE49-F238E27FC236}">
+                <a16:creationId xmlns:a16="http://schemas.microsoft.com/office/drawing/2014/main" id="{EC0D26A2-49C6-4DEB-8DC0-D259E0D6E1D1}"/>
+              </a:ext>
+            </a:extLst>
+          </p:cNvPr>
+          <p:cNvSpPr>
+            <a:spLocks noGrp="1"/>
+          </p:cNvSpPr>
+          <p:nvPr>
+            <p:ph type="title"/>
+          </p:nvPr>
+        </p:nvSpPr>
+        <p:spPr>
+          <a:xfrm>
+            <a:off x="838200" y="365125"/>
+            <a:ext cx="10515600" cy="1325563"/>
+          </a:xfrm>
+        </p:spPr>
+        <p:txBody>
+          <a:bodyPr/>
+          <a:lstStyle/>
+          <a:p>
+            <a:r>
+              <a:rPr lang="pt-BR" dirty="0"/>
+              <a:t>Procedimento da Heurística – 3º Passo</a:t>
+            </a:r>
+          </a:p>
+        </p:txBody>
+      </p:sp>
+      <p:sp>
+        <p:nvSpPr>
+          <p:cNvPr id="23" name="TextBox 22">
+            <a:extLst>
+              <a:ext uri="{FF2B5EF4-FFF2-40B4-BE49-F238E27FC236}">
+                <a16:creationId xmlns:a16="http://schemas.microsoft.com/office/drawing/2014/main" id="{6C77CCFC-2DC3-4C05-A5AE-EB8F8318EADF}"/>
+              </a:ext>
+            </a:extLst>
+          </p:cNvPr>
+          <p:cNvSpPr txBox="1"/>
+          <p:nvPr/>
+        </p:nvSpPr>
+        <p:spPr>
+          <a:xfrm>
+            <a:off x="902320" y="2370252"/>
+            <a:ext cx="5471976" cy="400110"/>
+          </a:xfrm>
+          <a:prstGeom prst="rect">
+            <a:avLst/>
+          </a:prstGeom>
+          <a:noFill/>
+        </p:spPr>
+        <p:txBody>
+          <a:bodyPr wrap="square" rtlCol="0">
+            <a:spAutoFit/>
+          </a:bodyPr>
+          <a:lstStyle/>
+          <a:p>
+            <a:r>
+              <a:rPr lang="pt-BR" sz="2000" b="1" dirty="0">
+                <a:solidFill>
+                  <a:srgbClr val="00B050"/>
+                </a:solidFill>
+              </a:rPr>
+              <a:t>15342</a:t>
+            </a:r>
+            <a:r>
+              <a:rPr lang="pt-BR" sz="2000" b="1" dirty="0"/>
+              <a:t>    -&gt; </a:t>
+            </a:r>
+            <a:r>
+              <a:rPr lang="pt-BR" sz="2000" dirty="0">
+                <a:solidFill>
+                  <a:schemeClr val="accent2"/>
+                </a:solidFill>
+              </a:rPr>
+              <a:t>5</a:t>
+            </a:r>
+            <a:r>
+              <a:rPr lang="pt-BR" sz="2000" b="1" dirty="0"/>
+              <a:t>1</a:t>
+            </a:r>
+            <a:r>
+              <a:rPr lang="pt-BR" sz="2000" dirty="0"/>
+              <a:t>342 | </a:t>
+            </a:r>
+            <a:r>
+              <a:rPr lang="pt-BR" sz="2000" dirty="0">
+                <a:solidFill>
+                  <a:schemeClr val="accent2"/>
+                </a:solidFill>
+              </a:rPr>
+              <a:t>3</a:t>
+            </a:r>
+            <a:r>
+              <a:rPr lang="pt-BR" sz="2000" dirty="0"/>
+              <a:t>5</a:t>
+            </a:r>
+            <a:r>
+              <a:rPr lang="pt-BR" sz="2000" b="1" dirty="0"/>
+              <a:t>1</a:t>
+            </a:r>
+            <a:r>
+              <a:rPr lang="pt-BR" sz="2000" dirty="0"/>
+              <a:t>42 | </a:t>
+            </a:r>
+            <a:r>
+              <a:rPr lang="pt-BR" sz="2000" dirty="0">
+                <a:solidFill>
+                  <a:schemeClr val="accent2"/>
+                </a:solidFill>
+              </a:rPr>
+              <a:t>4</a:t>
+            </a:r>
+            <a:r>
+              <a:rPr lang="pt-BR" sz="2000" dirty="0"/>
+              <a:t>53</a:t>
+            </a:r>
+            <a:r>
+              <a:rPr lang="pt-BR" sz="2000" b="1" dirty="0"/>
+              <a:t>1</a:t>
+            </a:r>
+            <a:r>
+              <a:rPr lang="pt-BR" sz="2000" dirty="0"/>
+              <a:t>2 | </a:t>
+            </a:r>
+            <a:r>
+              <a:rPr lang="pt-BR" sz="2000" dirty="0">
+                <a:solidFill>
+                  <a:srgbClr val="00B050"/>
+                </a:solidFill>
+              </a:rPr>
+              <a:t>2534</a:t>
+            </a:r>
+            <a:r>
+              <a:rPr lang="pt-BR" sz="2000" b="1" dirty="0">
+                <a:solidFill>
+                  <a:srgbClr val="00B050"/>
+                </a:solidFill>
+              </a:rPr>
+              <a:t>1</a:t>
+            </a:r>
+            <a:endParaRPr lang="pt-BR" sz="2000" b="1" dirty="0"/>
+          </a:p>
+        </p:txBody>
+      </p:sp>
+      <p:sp>
+        <p:nvSpPr>
+          <p:cNvPr id="24" name="Rectangle 23">
+            <a:extLst>
+              <a:ext uri="{FF2B5EF4-FFF2-40B4-BE49-F238E27FC236}">
+                <a16:creationId xmlns:a16="http://schemas.microsoft.com/office/drawing/2014/main" id="{F287B78A-2ABB-4BA1-B576-12B2E9AEA666}"/>
+              </a:ext>
+            </a:extLst>
+          </p:cNvPr>
+          <p:cNvSpPr/>
+          <p:nvPr/>
+        </p:nvSpPr>
+        <p:spPr>
+          <a:xfrm>
+            <a:off x="902320" y="2383504"/>
+            <a:ext cx="833883" cy="346446"/>
+          </a:xfrm>
+          <a:prstGeom prst="rect">
+            <a:avLst/>
+          </a:prstGeom>
+          <a:noFill/>
+          <a:ln w="28575">
+            <a:solidFill>
+              <a:srgbClr val="00B050"/>
+            </a:solidFill>
+          </a:ln>
+        </p:spPr>
+        <p:style>
+          <a:lnRef idx="2">
+            <a:schemeClr val="accent1">
+              <a:shade val="50000"/>
+            </a:schemeClr>
+          </a:lnRef>
+          <a:fillRef idx="1">
+            <a:schemeClr val="accent1"/>
+          </a:fillRef>
+          <a:effectRef idx="0">
+            <a:schemeClr val="accent1"/>
+          </a:effectRef>
+          <a:fontRef idx="minor">
+            <a:schemeClr val="lt1"/>
+          </a:fontRef>
+        </p:style>
+        <p:txBody>
+          <a:bodyPr rtlCol="0" anchor="ctr"/>
+          <a:lstStyle/>
+          <a:p>
+            <a:pPr algn="ctr"/>
+            <a:endParaRPr lang="en-US"/>
+          </a:p>
+        </p:txBody>
+      </p:sp>
+    </p:spTree>
+    <p:extLst>
+      <p:ext uri="{BB962C8B-B14F-4D97-AF65-F5344CB8AC3E}">
+        <p14:creationId xmlns:p14="http://schemas.microsoft.com/office/powerpoint/2010/main" val="840226431"/>
+      </p:ext>
+    </p:extLst>
+  </p:cSld>
+  <p:clrMapOvr>
+    <a:masterClrMapping/>
+  </p:clrMapOvr>
+</p:sld>
+</file>
+
+<file path=ppt/slides/slide9.xml><?xml version="1.0" encoding="utf-8"?>
+<p:sld xmlns:a="http://schemas.openxmlformats.org/drawingml/2006/main" xmlns:r="http://schemas.openxmlformats.org/officeDocument/2006/relationships" xmlns:p="http://schemas.openxmlformats.org/presentationml/2006/main">
+  <p:cSld>
+    <p:spTree>
+      <p:nvGrpSpPr>
+        <p:cNvPr id="1" name=""/>
+        <p:cNvGrpSpPr/>
+        <p:nvPr/>
+      </p:nvGrpSpPr>
+      <p:grpSpPr>
+        <a:xfrm>
+          <a:off x="0" y="0"/>
+          <a:ext cx="0" cy="0"/>
+          <a:chOff x="0" y="0"/>
+          <a:chExt cx="0" cy="0"/>
+        </a:xfrm>
+      </p:grpSpPr>
+      <p:grpSp>
+        <p:nvGrpSpPr>
+          <p:cNvPr id="15" name="Group 14">
+            <a:extLst>
+              <a:ext uri="{FF2B5EF4-FFF2-40B4-BE49-F238E27FC236}">
+                <a16:creationId xmlns:a16="http://schemas.microsoft.com/office/drawing/2014/main" id="{09A37A38-8CBA-4EE5-89B1-CBDB2D0A6052}"/>
+              </a:ext>
+            </a:extLst>
+          </p:cNvPr>
+          <p:cNvGrpSpPr/>
+          <p:nvPr/>
+        </p:nvGrpSpPr>
+        <p:grpSpPr>
+          <a:xfrm>
+            <a:off x="64602" y="230187"/>
+            <a:ext cx="12127398" cy="1068526"/>
+            <a:chOff x="64602" y="230187"/>
+            <a:chExt cx="12127398" cy="1068526"/>
+          </a:xfrm>
+        </p:grpSpPr>
+        <p:sp>
+          <p:nvSpPr>
+            <p:cNvPr id="16" name="Rectangle 15">
+              <a:extLst>
+                <a:ext uri="{FF2B5EF4-FFF2-40B4-BE49-F238E27FC236}">
+                  <a16:creationId xmlns:a16="http://schemas.microsoft.com/office/drawing/2014/main" id="{99726E38-6374-4D35-8FDD-A2111B222BA4}"/>
+                </a:ext>
+              </a:extLst>
+            </p:cNvPr>
+            <p:cNvSpPr/>
+            <p:nvPr/>
+          </p:nvSpPr>
+          <p:spPr>
+            <a:xfrm>
+              <a:off x="556589" y="230188"/>
+              <a:ext cx="11635411" cy="1068525"/>
+            </a:xfrm>
+            <a:prstGeom prst="rect">
+              <a:avLst/>
+            </a:prstGeom>
+            <a:solidFill>
+              <a:schemeClr val="bg1">
+                <a:lumMod val="95000"/>
+              </a:schemeClr>
+            </a:solidFill>
+            <a:ln>
+              <a:noFill/>
+            </a:ln>
+          </p:spPr>
+          <p:style>
+            <a:lnRef idx="2">
+              <a:schemeClr val="accent1">
+                <a:shade val="50000"/>
+              </a:schemeClr>
+            </a:lnRef>
+            <a:fillRef idx="1">
+              <a:schemeClr val="accent1"/>
+            </a:fillRef>
+            <a:effectRef idx="0">
+              <a:schemeClr val="accent1"/>
+            </a:effectRef>
+            <a:fontRef idx="minor">
+              <a:schemeClr val="lt1"/>
+            </a:fontRef>
+          </p:style>
+          <p:txBody>
+            <a:bodyPr rtlCol="0" anchor="ctr"/>
+            <a:lstStyle/>
+            <a:p>
+              <a:pPr algn="ctr"/>
+              <a:endParaRPr lang="en-US"/>
+            </a:p>
+          </p:txBody>
+        </p:sp>
+        <p:sp>
+          <p:nvSpPr>
+            <p:cNvPr id="17" name="Rectangle 16">
+              <a:extLst>
+                <a:ext uri="{FF2B5EF4-FFF2-40B4-BE49-F238E27FC236}">
+                  <a16:creationId xmlns:a16="http://schemas.microsoft.com/office/drawing/2014/main" id="{809BA0C8-8CA3-43A1-85B7-57AA1DEC97D8}"/>
+                </a:ext>
+              </a:extLst>
+            </p:cNvPr>
+            <p:cNvSpPr/>
+            <p:nvPr/>
+          </p:nvSpPr>
+          <p:spPr>
+            <a:xfrm>
+              <a:off x="304799" y="230188"/>
+              <a:ext cx="172280" cy="1068525"/>
+            </a:xfrm>
+            <a:prstGeom prst="rect">
+              <a:avLst/>
+            </a:prstGeom>
+            <a:solidFill>
+              <a:schemeClr val="bg1">
+                <a:lumMod val="85000"/>
+              </a:schemeClr>
+            </a:solidFill>
+            <a:ln>
+              <a:noFill/>
+            </a:ln>
+          </p:spPr>
+          <p:style>
+            <a:lnRef idx="2">
+              <a:schemeClr val="accent1">
+                <a:shade val="50000"/>
+              </a:schemeClr>
+            </a:lnRef>
+            <a:fillRef idx="1">
+              <a:schemeClr val="accent1"/>
+            </a:fillRef>
+            <a:effectRef idx="0">
+              <a:schemeClr val="accent1"/>
+            </a:effectRef>
+            <a:fontRef idx="minor">
+              <a:schemeClr val="lt1"/>
+            </a:fontRef>
+          </p:style>
+          <p:txBody>
+            <a:bodyPr rtlCol="0" anchor="ctr"/>
+            <a:lstStyle/>
+            <a:p>
+              <a:pPr algn="ctr"/>
+              <a:endParaRPr lang="en-US"/>
+            </a:p>
+          </p:txBody>
+        </p:sp>
+        <p:sp>
+          <p:nvSpPr>
+            <p:cNvPr id="18" name="Rectangle 17">
+              <a:extLst>
+                <a:ext uri="{FF2B5EF4-FFF2-40B4-BE49-F238E27FC236}">
+                  <a16:creationId xmlns:a16="http://schemas.microsoft.com/office/drawing/2014/main" id="{1438C028-A8B0-413B-BFFC-1C8C43493BF8}"/>
+                </a:ext>
+              </a:extLst>
+            </p:cNvPr>
+            <p:cNvSpPr/>
+            <p:nvPr/>
+          </p:nvSpPr>
+          <p:spPr>
+            <a:xfrm>
+              <a:off x="64602" y="230187"/>
+              <a:ext cx="172280" cy="1068525"/>
+            </a:xfrm>
+            <a:prstGeom prst="rect">
+              <a:avLst/>
+            </a:prstGeom>
+            <a:solidFill>
+              <a:schemeClr val="bg1">
+                <a:lumMod val="75000"/>
+              </a:schemeClr>
+            </a:solidFill>
+            <a:ln>
+              <a:noFill/>
+            </a:ln>
+          </p:spPr>
+          <p:style>
+            <a:lnRef idx="2">
+              <a:schemeClr val="accent1">
+                <a:shade val="50000"/>
+              </a:schemeClr>
+            </a:lnRef>
+            <a:fillRef idx="1">
+              <a:schemeClr val="accent1"/>
+            </a:fillRef>
+            <a:effectRef idx="0">
+              <a:schemeClr val="accent1"/>
+            </a:effectRef>
+            <a:fontRef idx="minor">
+              <a:schemeClr val="lt1"/>
+            </a:fontRef>
+          </p:style>
+          <p:txBody>
+            <a:bodyPr rtlCol="0" anchor="ctr"/>
+            <a:lstStyle/>
+            <a:p>
+              <a:pPr algn="ctr"/>
+              <a:endParaRPr lang="en-US"/>
+            </a:p>
+          </p:txBody>
+        </p:sp>
+      </p:grpSp>
+      <p:sp>
+        <p:nvSpPr>
+          <p:cNvPr id="7" name="Content Placeholder 2">
+            <a:extLst>
+              <a:ext uri="{FF2B5EF4-FFF2-40B4-BE49-F238E27FC236}">
+                <a16:creationId xmlns:a16="http://schemas.microsoft.com/office/drawing/2014/main" id="{5A1070A9-0C16-43AA-8DE1-35D36228A733}"/>
+              </a:ext>
+            </a:extLst>
+          </p:cNvPr>
+          <p:cNvSpPr>
+            <a:spLocks noGrp="1"/>
+          </p:cNvSpPr>
+          <p:nvPr>
+            <p:ph idx="1"/>
+          </p:nvPr>
+        </p:nvSpPr>
+        <p:spPr>
+          <a:xfrm>
+            <a:off x="838200" y="1825624"/>
+            <a:ext cx="10756900" cy="4943475"/>
+          </a:xfrm>
+        </p:spPr>
+        <p:txBody>
+          <a:bodyPr/>
+          <a:lstStyle/>
+          <a:p>
+            <a:r>
+              <a:rPr lang="pt-BR" dirty="0"/>
+              <a:t>NEDA: Algoritmo de Descida Não Exaustivo</a:t>
+            </a:r>
+          </a:p>
+          <a:p>
+            <a:pPr marL="0" indent="0">
+              <a:buNone/>
+            </a:pPr>
+            <a:endParaRPr lang="pt-BR" sz="2400" dirty="0"/>
+          </a:p>
+        </p:txBody>
+      </p:sp>
+      <p:sp>
+        <p:nvSpPr>
+          <p:cNvPr id="11" name="Title 1">
+            <a:extLst>
+              <a:ext uri="{FF2B5EF4-FFF2-40B4-BE49-F238E27FC236}">
+                <a16:creationId xmlns:a16="http://schemas.microsoft.com/office/drawing/2014/main" id="{EC0D26A2-49C6-4DEB-8DC0-D259E0D6E1D1}"/>
+              </a:ext>
+            </a:extLst>
+          </p:cNvPr>
+          <p:cNvSpPr>
+            <a:spLocks noGrp="1"/>
+          </p:cNvSpPr>
+          <p:nvPr>
+            <p:ph type="title"/>
+          </p:nvPr>
+        </p:nvSpPr>
+        <p:spPr>
+          <a:xfrm>
+            <a:off x="838200" y="365125"/>
+            <a:ext cx="10515600" cy="1325563"/>
+          </a:xfrm>
+        </p:spPr>
+        <p:txBody>
+          <a:bodyPr/>
+          <a:lstStyle/>
+          <a:p>
+            <a:r>
+              <a:rPr lang="pt-BR" dirty="0"/>
+              <a:t>Procedimento da Heurística – 3º Passo</a:t>
+            </a:r>
+          </a:p>
+        </p:txBody>
+      </p:sp>
+      <p:sp>
+        <p:nvSpPr>
+          <p:cNvPr id="23" name="TextBox 22">
+            <a:extLst>
+              <a:ext uri="{FF2B5EF4-FFF2-40B4-BE49-F238E27FC236}">
+                <a16:creationId xmlns:a16="http://schemas.microsoft.com/office/drawing/2014/main" id="{BA325EF9-E4AE-4274-9049-FCA4A5E69D02}"/>
+              </a:ext>
+            </a:extLst>
+          </p:cNvPr>
+          <p:cNvSpPr txBox="1"/>
+          <p:nvPr/>
+        </p:nvSpPr>
+        <p:spPr>
+          <a:xfrm>
+            <a:off x="902320" y="2370252"/>
+            <a:ext cx="5471976" cy="400110"/>
+          </a:xfrm>
+          <a:prstGeom prst="rect">
+            <a:avLst/>
+          </a:prstGeom>
+          <a:noFill/>
+        </p:spPr>
+        <p:txBody>
+          <a:bodyPr wrap="square" rtlCol="0">
+            <a:spAutoFit/>
+          </a:bodyPr>
+          <a:lstStyle/>
+          <a:p>
+            <a:r>
+              <a:rPr lang="pt-BR" sz="2000" b="1" dirty="0">
+                <a:solidFill>
+                  <a:srgbClr val="00B050"/>
+                </a:solidFill>
+              </a:rPr>
+              <a:t>15342</a:t>
+            </a:r>
+            <a:r>
+              <a:rPr lang="pt-BR" sz="2000" b="1" dirty="0"/>
+              <a:t>    -&gt; </a:t>
+            </a:r>
+            <a:r>
+              <a:rPr lang="pt-BR" sz="2000" dirty="0">
+                <a:solidFill>
+                  <a:schemeClr val="accent2"/>
+                </a:solidFill>
+              </a:rPr>
+              <a:t>5</a:t>
+            </a:r>
+            <a:r>
+              <a:rPr lang="pt-BR" sz="2000" b="1" dirty="0"/>
+              <a:t>1</a:t>
+            </a:r>
+            <a:r>
+              <a:rPr lang="pt-BR" sz="2000" dirty="0"/>
+              <a:t>342 | </a:t>
+            </a:r>
+            <a:r>
+              <a:rPr lang="pt-BR" sz="2000" dirty="0">
+                <a:solidFill>
+                  <a:schemeClr val="accent2"/>
+                </a:solidFill>
+              </a:rPr>
+              <a:t>3</a:t>
+            </a:r>
+            <a:r>
+              <a:rPr lang="pt-BR" sz="2000" dirty="0"/>
+              <a:t>5</a:t>
+            </a:r>
+            <a:r>
+              <a:rPr lang="pt-BR" sz="2000" b="1" dirty="0"/>
+              <a:t>1</a:t>
+            </a:r>
+            <a:r>
+              <a:rPr lang="pt-BR" sz="2000" dirty="0"/>
+              <a:t>42 | </a:t>
+            </a:r>
+            <a:r>
+              <a:rPr lang="pt-BR" sz="2000" dirty="0">
+                <a:solidFill>
+                  <a:schemeClr val="accent2"/>
+                </a:solidFill>
+              </a:rPr>
+              <a:t>4</a:t>
+            </a:r>
+            <a:r>
+              <a:rPr lang="pt-BR" sz="2000" dirty="0"/>
+              <a:t>53</a:t>
+            </a:r>
+            <a:r>
+              <a:rPr lang="pt-BR" sz="2000" b="1" dirty="0"/>
+              <a:t>1</a:t>
+            </a:r>
+            <a:r>
+              <a:rPr lang="pt-BR" sz="2000" dirty="0"/>
+              <a:t>2 | </a:t>
+            </a:r>
+            <a:r>
+              <a:rPr lang="pt-BR" sz="2000" dirty="0">
+                <a:solidFill>
+                  <a:srgbClr val="00B050"/>
+                </a:solidFill>
+              </a:rPr>
+              <a:t>2534</a:t>
+            </a:r>
+            <a:r>
+              <a:rPr lang="pt-BR" sz="2000" b="1" dirty="0">
+                <a:solidFill>
+                  <a:srgbClr val="00B050"/>
+                </a:solidFill>
+              </a:rPr>
+              <a:t>1</a:t>
+            </a:r>
+            <a:endParaRPr lang="pt-BR" sz="2000" b="1" dirty="0"/>
+          </a:p>
+        </p:txBody>
+      </p:sp>
+      <p:sp>
+        <p:nvSpPr>
+          <p:cNvPr id="24" name="Rectangle 23">
+            <a:extLst>
+              <a:ext uri="{FF2B5EF4-FFF2-40B4-BE49-F238E27FC236}">
+                <a16:creationId xmlns:a16="http://schemas.microsoft.com/office/drawing/2014/main" id="{446D8BC8-9046-48D8-856A-8B3CFDE4C780}"/>
+              </a:ext>
+            </a:extLst>
+          </p:cNvPr>
+          <p:cNvSpPr/>
+          <p:nvPr/>
+        </p:nvSpPr>
+        <p:spPr>
+          <a:xfrm>
+            <a:off x="902320" y="2383504"/>
+            <a:ext cx="833883" cy="346446"/>
+          </a:xfrm>
+          <a:prstGeom prst="rect">
+            <a:avLst/>
+          </a:prstGeom>
+          <a:noFill/>
+          <a:ln w="28575">
+            <a:solidFill>
+              <a:srgbClr val="00B050"/>
+            </a:solidFill>
+          </a:ln>
+        </p:spPr>
+        <p:style>
+          <a:lnRef idx="2">
+            <a:schemeClr val="accent1">
+              <a:shade val="50000"/>
+            </a:schemeClr>
+          </a:lnRef>
+          <a:fillRef idx="1">
+            <a:schemeClr val="accent1"/>
+          </a:fillRef>
+          <a:effectRef idx="0">
+            <a:schemeClr val="accent1"/>
+          </a:effectRef>
+          <a:fontRef idx="minor">
+            <a:schemeClr val="lt1"/>
+          </a:fontRef>
+        </p:style>
+        <p:txBody>
+          <a:bodyPr rtlCol="0" anchor="ctr"/>
+          <a:lstStyle/>
+          <a:p>
+            <a:pPr algn="ctr"/>
+            <a:endParaRPr lang="en-US"/>
+          </a:p>
+        </p:txBody>
+      </p:sp>
+      <p:sp>
+        <p:nvSpPr>
+          <p:cNvPr id="25" name="TextBox 24">
+            <a:extLst>
+              <a:ext uri="{FF2B5EF4-FFF2-40B4-BE49-F238E27FC236}">
+                <a16:creationId xmlns:a16="http://schemas.microsoft.com/office/drawing/2014/main" id="{8A3F7F70-5036-491E-B46A-9E17FB8B9086}"/>
+              </a:ext>
+            </a:extLst>
+          </p:cNvPr>
+          <p:cNvSpPr txBox="1"/>
+          <p:nvPr/>
+        </p:nvSpPr>
+        <p:spPr>
+          <a:xfrm>
+            <a:off x="902320" y="3028890"/>
+            <a:ext cx="8732010" cy="400110"/>
+          </a:xfrm>
+          <a:prstGeom prst="rect">
+            <a:avLst/>
+          </a:prstGeom>
+          <a:noFill/>
+        </p:spPr>
+        <p:txBody>
+          <a:bodyPr wrap="square" rtlCol="0">
+            <a:spAutoFit/>
+          </a:bodyPr>
+          <a:lstStyle/>
+          <a:p>
+            <a:r>
+              <a:rPr lang="pt-BR" sz="2000" b="1" dirty="0">
+                <a:solidFill>
+                  <a:srgbClr val="00B050"/>
+                </a:solidFill>
+              </a:rPr>
+              <a:t>25341</a:t>
+            </a:r>
+            <a:r>
+              <a:rPr lang="pt-BR" sz="2000" b="1" dirty="0"/>
+              <a:t>    -&gt; </a:t>
+            </a:r>
+            <a:r>
+              <a:rPr lang="pt-BR" sz="2000" dirty="0">
+                <a:solidFill>
+                  <a:schemeClr val="accent2"/>
+                </a:solidFill>
+              </a:rPr>
+              <a:t>5</a:t>
+            </a:r>
+            <a:r>
+              <a:rPr lang="pt-BR" sz="2000" b="1" dirty="0"/>
+              <a:t>2</a:t>
+            </a:r>
+            <a:r>
+              <a:rPr lang="pt-BR" sz="2000" dirty="0"/>
+              <a:t>341 | </a:t>
+            </a:r>
+            <a:r>
+              <a:rPr lang="pt-BR" sz="2000" dirty="0">
+                <a:solidFill>
+                  <a:schemeClr val="accent2"/>
+                </a:solidFill>
+              </a:rPr>
+              <a:t>3</a:t>
+            </a:r>
+            <a:r>
+              <a:rPr lang="pt-BR" sz="2000" dirty="0"/>
+              <a:t>5</a:t>
+            </a:r>
+            <a:r>
+              <a:rPr lang="pt-BR" sz="2000" b="1" dirty="0"/>
+              <a:t>2</a:t>
+            </a:r>
+            <a:r>
+              <a:rPr lang="pt-BR" sz="2000" dirty="0"/>
+              <a:t>41 | </a:t>
+            </a:r>
+            <a:r>
+              <a:rPr lang="pt-BR" sz="2000" dirty="0">
+                <a:solidFill>
+                  <a:schemeClr val="accent2"/>
+                </a:solidFill>
+              </a:rPr>
+              <a:t>4</a:t>
+            </a:r>
+            <a:r>
+              <a:rPr lang="pt-BR" sz="2000" dirty="0"/>
+              <a:t>53</a:t>
+            </a:r>
+            <a:r>
+              <a:rPr lang="pt-BR" sz="2000" b="1" dirty="0"/>
+              <a:t>2</a:t>
+            </a:r>
+            <a:r>
+              <a:rPr lang="pt-BR" sz="2000" dirty="0"/>
+              <a:t>1 | </a:t>
+            </a:r>
+            <a:r>
+              <a:rPr lang="pt-BR" sz="2000" dirty="0">
+                <a:solidFill>
+                  <a:schemeClr val="accent2"/>
+                </a:solidFill>
+              </a:rPr>
+              <a:t>1</a:t>
+            </a:r>
+            <a:r>
+              <a:rPr lang="pt-BR" sz="2000" dirty="0"/>
+              <a:t>534</a:t>
+            </a:r>
+            <a:r>
+              <a:rPr lang="pt-BR" sz="2000" b="1" dirty="0"/>
+              <a:t>2</a:t>
+            </a:r>
+            <a:r>
+              <a:rPr lang="pt-BR" sz="2000" dirty="0"/>
+              <a:t> | 2</a:t>
+            </a:r>
+            <a:r>
+              <a:rPr lang="pt-BR" sz="2000" dirty="0">
+                <a:solidFill>
+                  <a:schemeClr val="accent2"/>
+                </a:solidFill>
+              </a:rPr>
+              <a:t>3</a:t>
+            </a:r>
+            <a:r>
+              <a:rPr lang="pt-BR" sz="2000" b="1" dirty="0"/>
+              <a:t>5</a:t>
+            </a:r>
+            <a:r>
+              <a:rPr lang="pt-BR" sz="2000" dirty="0"/>
+              <a:t>41 | </a:t>
+            </a:r>
+            <a:r>
+              <a:rPr lang="pt-BR" sz="2000" dirty="0">
+                <a:solidFill>
+                  <a:srgbClr val="00B050"/>
+                </a:solidFill>
+              </a:rPr>
+              <a:t>243</a:t>
+            </a:r>
+            <a:r>
+              <a:rPr lang="pt-BR" sz="2000" b="1" dirty="0">
+                <a:solidFill>
+                  <a:srgbClr val="00B050"/>
+                </a:solidFill>
+              </a:rPr>
+              <a:t>5</a:t>
+            </a:r>
+            <a:r>
+              <a:rPr lang="pt-BR" sz="2000" dirty="0">
+                <a:solidFill>
+                  <a:srgbClr val="00B050"/>
+                </a:solidFill>
+              </a:rPr>
+              <a:t>1</a:t>
+            </a:r>
+            <a:r>
+              <a:rPr lang="pt-BR" sz="2000" dirty="0"/>
+              <a:t> </a:t>
+            </a:r>
+            <a:endParaRPr lang="pt-BR" sz="2000" b="1" dirty="0"/>
+          </a:p>
+        </p:txBody>
+      </p:sp>
+      <p:sp>
+        <p:nvSpPr>
+          <p:cNvPr id="26" name="Rectangle 25">
+            <a:extLst>
+              <a:ext uri="{FF2B5EF4-FFF2-40B4-BE49-F238E27FC236}">
+                <a16:creationId xmlns:a16="http://schemas.microsoft.com/office/drawing/2014/main" id="{7C7FF923-56AF-4F16-9910-5CBA3FF27D76}"/>
+              </a:ext>
+            </a:extLst>
+          </p:cNvPr>
+          <p:cNvSpPr/>
+          <p:nvPr/>
+        </p:nvSpPr>
+        <p:spPr>
+          <a:xfrm>
+            <a:off x="902320" y="3042142"/>
+            <a:ext cx="833883" cy="346446"/>
+          </a:xfrm>
+          <a:prstGeom prst="rect">
+            <a:avLst/>
+          </a:prstGeom>
+          <a:noFill/>
+          <a:ln w="28575">
+            <a:solidFill>
+              <a:srgbClr val="00B050"/>
+            </a:solidFill>
+          </a:ln>
+        </p:spPr>
+        <p:style>
+          <a:lnRef idx="2">
+            <a:schemeClr val="accent1">
+              <a:shade val="50000"/>
+            </a:schemeClr>
+          </a:lnRef>
+          <a:fillRef idx="1">
+            <a:schemeClr val="accent1"/>
+          </a:fillRef>
+          <a:effectRef idx="0">
+            <a:schemeClr val="accent1"/>
+          </a:effectRef>
+          <a:fontRef idx="minor">
+            <a:schemeClr val="lt1"/>
+          </a:fontRef>
+        </p:style>
+        <p:txBody>
+          <a:bodyPr rtlCol="0" anchor="ctr"/>
+          <a:lstStyle/>
+          <a:p>
+            <a:pPr algn="ctr"/>
+            <a:endParaRPr lang="en-US"/>
+          </a:p>
+        </p:txBody>
+      </p:sp>
+      <p:cxnSp>
+        <p:nvCxnSpPr>
+          <p:cNvPr id="27" name="Connector: Elbow 26">
+            <a:extLst>
+              <a:ext uri="{FF2B5EF4-FFF2-40B4-BE49-F238E27FC236}">
+                <a16:creationId xmlns:a16="http://schemas.microsoft.com/office/drawing/2014/main" id="{20EBDE47-8230-4F57-8D60-2C22F6BA2AD9}"/>
+              </a:ext>
+            </a:extLst>
+          </p:cNvPr>
+          <p:cNvCxnSpPr>
+            <a:cxnSpLocks/>
+          </p:cNvCxnSpPr>
+          <p:nvPr/>
+        </p:nvCxnSpPr>
+        <p:spPr>
+          <a:xfrm rot="10800000" flipV="1">
+            <a:off x="1319262" y="2864886"/>
+            <a:ext cx="3743068" cy="177256"/>
+          </a:xfrm>
+          <a:prstGeom prst="bentConnector2">
+            <a:avLst/>
+          </a:prstGeom>
+          <a:ln>
+            <a:tailEnd type="triangle"/>
+          </a:ln>
+        </p:spPr>
+        <p:style>
+          <a:lnRef idx="1">
+            <a:schemeClr val="dk1"/>
+          </a:lnRef>
+          <a:fillRef idx="0">
+            <a:schemeClr val="dk1"/>
+          </a:fillRef>
+          <a:effectRef idx="0">
+            <a:schemeClr val="dk1"/>
+          </a:effectRef>
+          <a:fontRef idx="minor">
+            <a:schemeClr val="tx1"/>
+          </a:fontRef>
+        </p:style>
+      </p:cxnSp>
+    </p:spTree>
+    <p:extLst>
+      <p:ext uri="{BB962C8B-B14F-4D97-AF65-F5344CB8AC3E}">
+        <p14:creationId xmlns:p14="http://schemas.microsoft.com/office/powerpoint/2010/main" val="1437276961"/>
       </p:ext>
     </p:extLst>
   </p:cSld>
